--- a/rsa/pres/rsa_presentation.pptx
+++ b/rsa/pres/rsa_presentation.pptx
@@ -16,6 +16,9 @@
     <p:sldId id="265" r:id="rId10"/>
     <p:sldId id="264" r:id="rId11"/>
     <p:sldId id="266" r:id="rId12"/>
+    <p:sldId id="267" r:id="rId13"/>
+    <p:sldId id="268" r:id="rId14"/>
+    <p:sldId id="269" r:id="rId15"/>
   </p:sldIdLst>
   <p:sldSz cx="12192000" cy="6858000"/>
   <p:notesSz cx="6858000" cy="9144000"/>
@@ -3614,7 +3617,7 @@
           <a:p>
             <a:fld id="{FB549AF3-BBB7-41FD-8D85-10FB49CA5CBA}" type="datetimeFigureOut">
               <a:rPr lang="en-US" smtClean="0"/>
-              <a:t>4/7/2021</a:t>
+              <a:t>4/11/2021</a:t>
             </a:fld>
             <a:endParaRPr lang="en-US"/>
           </a:p>
@@ -3948,7 +3951,7 @@
           <a:p>
             <a:fld id="{FB549AF3-BBB7-41FD-8D85-10FB49CA5CBA}" type="datetimeFigureOut">
               <a:rPr lang="en-US" smtClean="0"/>
-              <a:t>4/7/2021</a:t>
+              <a:t>4/11/2021</a:t>
             </a:fld>
             <a:endParaRPr lang="en-US"/>
           </a:p>
@@ -4226,7 +4229,7 @@
           <a:p>
             <a:fld id="{FB549AF3-BBB7-41FD-8D85-10FB49CA5CBA}" type="datetimeFigureOut">
               <a:rPr lang="en-US" smtClean="0"/>
-              <a:t>4/7/2021</a:t>
+              <a:t>4/11/2021</a:t>
             </a:fld>
             <a:endParaRPr lang="en-US"/>
           </a:p>
@@ -4794,7 +4797,7 @@
           <a:p>
             <a:fld id="{FB549AF3-BBB7-41FD-8D85-10FB49CA5CBA}" type="datetimeFigureOut">
               <a:rPr lang="en-US" smtClean="0"/>
-              <a:t>4/7/2021</a:t>
+              <a:t>4/11/2021</a:t>
             </a:fld>
             <a:endParaRPr lang="en-US"/>
           </a:p>
@@ -5072,7 +5075,7 @@
           <a:p>
             <a:fld id="{FB549AF3-BBB7-41FD-8D85-10FB49CA5CBA}" type="datetimeFigureOut">
               <a:rPr lang="en-US" smtClean="0"/>
-              <a:t>4/7/2021</a:t>
+              <a:t>4/11/2021</a:t>
             </a:fld>
             <a:endParaRPr lang="en-US"/>
           </a:p>
@@ -5634,7 +5637,7 @@
           <a:p>
             <a:fld id="{FB549AF3-BBB7-41FD-8D85-10FB49CA5CBA}" type="datetimeFigureOut">
               <a:rPr lang="en-US" smtClean="0"/>
-              <a:t>4/7/2021</a:t>
+              <a:t>4/11/2021</a:t>
             </a:fld>
             <a:endParaRPr lang="en-US"/>
           </a:p>
@@ -5961,7 +5964,7 @@
           <a:p>
             <a:fld id="{FB549AF3-BBB7-41FD-8D85-10FB49CA5CBA}" type="datetimeFigureOut">
               <a:rPr lang="en-US" smtClean="0"/>
-              <a:t>4/7/2021</a:t>
+              <a:t>4/11/2021</a:t>
             </a:fld>
             <a:endParaRPr lang="en-US"/>
           </a:p>
@@ -6138,7 +6141,7 @@
           <a:p>
             <a:fld id="{FB549AF3-BBB7-41FD-8D85-10FB49CA5CBA}" type="datetimeFigureOut">
               <a:rPr lang="en-US" smtClean="0"/>
-              <a:t>4/7/2021</a:t>
+              <a:t>4/11/2021</a:t>
             </a:fld>
             <a:endParaRPr lang="en-US"/>
           </a:p>
@@ -6376,7 +6379,7 @@
           <a:p>
             <a:fld id="{FB549AF3-BBB7-41FD-8D85-10FB49CA5CBA}" type="datetimeFigureOut">
               <a:rPr lang="en-US" smtClean="0"/>
-              <a:t>4/7/2021</a:t>
+              <a:t>4/11/2021</a:t>
             </a:fld>
             <a:endParaRPr lang="en-US"/>
           </a:p>
@@ -6576,7 +6579,7 @@
           <a:p>
             <a:fld id="{FB549AF3-BBB7-41FD-8D85-10FB49CA5CBA}" type="datetimeFigureOut">
               <a:rPr lang="en-US" smtClean="0"/>
-              <a:t>4/7/2021</a:t>
+              <a:t>4/11/2021</a:t>
             </a:fld>
             <a:endParaRPr lang="en-US"/>
           </a:p>
@@ -6852,7 +6855,7 @@
           <a:p>
             <a:fld id="{FB549AF3-BBB7-41FD-8D85-10FB49CA5CBA}" type="datetimeFigureOut">
               <a:rPr lang="en-US" smtClean="0"/>
-              <a:t>4/7/2021</a:t>
+              <a:t>4/11/2021</a:t>
             </a:fld>
             <a:endParaRPr lang="en-US"/>
           </a:p>
@@ -7118,7 +7121,7 @@
           <a:p>
             <a:fld id="{FB549AF3-BBB7-41FD-8D85-10FB49CA5CBA}" type="datetimeFigureOut">
               <a:rPr lang="en-US" smtClean="0"/>
-              <a:t>4/7/2021</a:t>
+              <a:t>4/11/2021</a:t>
             </a:fld>
             <a:endParaRPr lang="en-US"/>
           </a:p>
@@ -7492,7 +7495,7 @@
           <a:p>
             <a:fld id="{FB549AF3-BBB7-41FD-8D85-10FB49CA5CBA}" type="datetimeFigureOut">
               <a:rPr lang="en-US" smtClean="0"/>
-              <a:t>4/7/2021</a:t>
+              <a:t>4/11/2021</a:t>
             </a:fld>
             <a:endParaRPr lang="en-US"/>
           </a:p>
@@ -7640,7 +7643,7 @@
           <a:p>
             <a:fld id="{FB549AF3-BBB7-41FD-8D85-10FB49CA5CBA}" type="datetimeFigureOut">
               <a:rPr lang="en-US" smtClean="0"/>
-              <a:t>4/7/2021</a:t>
+              <a:t>4/11/2021</a:t>
             </a:fld>
             <a:endParaRPr lang="en-US"/>
           </a:p>
@@ -7765,7 +7768,7 @@
           <a:p>
             <a:fld id="{FB549AF3-BBB7-41FD-8D85-10FB49CA5CBA}" type="datetimeFigureOut">
               <a:rPr lang="en-US" smtClean="0"/>
-              <a:t>4/7/2021</a:t>
+              <a:t>4/11/2021</a:t>
             </a:fld>
             <a:endParaRPr lang="en-US"/>
           </a:p>
@@ -8050,7 +8053,7 @@
           <a:p>
             <a:fld id="{FB549AF3-BBB7-41FD-8D85-10FB49CA5CBA}" type="datetimeFigureOut">
               <a:rPr lang="en-US" smtClean="0"/>
-              <a:t>4/7/2021</a:t>
+              <a:t>4/11/2021</a:t>
             </a:fld>
             <a:endParaRPr lang="en-US"/>
           </a:p>
@@ -8374,7 +8377,7 @@
           <a:p>
             <a:fld id="{FB549AF3-BBB7-41FD-8D85-10FB49CA5CBA}" type="datetimeFigureOut">
               <a:rPr lang="en-US" smtClean="0"/>
-              <a:t>4/7/2021</a:t>
+              <a:t>4/11/2021</a:t>
             </a:fld>
             <a:endParaRPr lang="en-US"/>
           </a:p>
@@ -8588,7 +8591,7 @@
           <a:p>
             <a:fld id="{FB549AF3-BBB7-41FD-8D85-10FB49CA5CBA}" type="datetimeFigureOut">
               <a:rPr lang="en-US" smtClean="0"/>
-              <a:t>4/7/2021</a:t>
+              <a:t>4/11/2021</a:t>
             </a:fld>
             <a:endParaRPr lang="en-US"/>
           </a:p>
@@ -9443,6 +9446,15 @@
 <file path=ppt/slides/slide11.xml><?xml version="1.0" encoding="utf-8"?>
 <p:sld xmlns:a="http://schemas.openxmlformats.org/drawingml/2006/main" xmlns:r="http://schemas.openxmlformats.org/officeDocument/2006/relationships" xmlns:p="http://schemas.openxmlformats.org/presentationml/2006/main">
   <p:cSld>
+    <p:bg>
+      <p:bgPr>
+        <a:blipFill>
+          <a:blip r:embed="rId2"/>
+          <a:stretch/>
+        </a:blipFill>
+        <a:effectLst/>
+      </p:bgPr>
+    </p:bg>
     <p:spTree>
       <p:nvGrpSpPr>
         <p:cNvPr id="1" name=""/>
@@ -9473,9 +9485,16 @@
             <p:ph type="title"/>
           </p:nvPr>
         </p:nvSpPr>
-        <p:spPr/>
-        <p:txBody>
-          <a:bodyPr/>
+        <p:spPr>
+          <a:xfrm>
+            <a:off x="825909" y="808055"/>
+            <a:ext cx="3979205" cy="1453363"/>
+          </a:xfrm>
+        </p:spPr>
+        <p:txBody>
+          <a:bodyPr>
+            <a:normAutofit/>
+          </a:bodyPr>
           <a:lstStyle/>
           <a:p>
             <a:r>
@@ -9487,10 +9506,10 @@
       </p:sp>
       <p:sp>
         <p:nvSpPr>
-          <p:cNvPr id="3" name="Content Placeholder 2">
+          <p:cNvPr id="5" name="Content Placeholder 4">
             <a:extLst>
               <a:ext uri="{FF2B5EF4-FFF2-40B4-BE49-F238E27FC236}">
-                <a16:creationId xmlns:a16="http://schemas.microsoft.com/office/drawing/2014/main" id="{D01A7A72-78E6-4BCF-90A0-FFD0E529B33D}"/>
+                <a16:creationId xmlns:a16="http://schemas.microsoft.com/office/drawing/2014/main" id="{070B7EB0-4233-4031-865A-5E4758A999E4}"/>
               </a:ext>
             </a:extLst>
           </p:cNvPr>
@@ -9501,22 +9520,688 @@
             <p:ph idx="1"/>
           </p:nvPr>
         </p:nvSpPr>
-        <p:spPr/>
-        <p:txBody>
-          <a:bodyPr/>
+        <p:spPr>
+          <a:xfrm>
+            <a:off x="802178" y="2261420"/>
+            <a:ext cx="4002936" cy="3637935"/>
+          </a:xfrm>
+        </p:spPr>
+        <p:txBody>
+          <a:bodyPr>
+            <a:normAutofit/>
+          </a:bodyPr>
           <a:lstStyle/>
           <a:p>
             <a:r>
               <a:rPr lang="en-US" dirty="0"/>
-              <a:t>Fill out with screenshots of program running</a:t>
-            </a:r>
-          </a:p>
-        </p:txBody>
-      </p:sp>
+              <a:t>1. Pick two primes as inputs to the key generation</a:t>
+            </a:r>
+          </a:p>
+          <a:p>
+            <a:r>
+              <a:rPr lang="en-US" dirty="0"/>
+              <a:t>2. Key generation verifies, then performs the RSA keygen algorithm to find a P, S, and N such that</a:t>
+            </a:r>
+          </a:p>
+          <a:p>
+            <a:pPr lvl="1"/>
+            <a:r>
+              <a:rPr lang="en-US" dirty="0"/>
+              <a:t>FP(</a:t>
+            </a:r>
+            <a:r>
+              <a:rPr lang="en-US" dirty="0" err="1"/>
+              <a:t>x,n</a:t>
+            </a:r>
+            <a:r>
+              <a:rPr lang="en-US" dirty="0"/>
+              <a:t>) = </a:t>
+            </a:r>
+            <a:r>
+              <a:rPr lang="en-US" dirty="0" err="1"/>
+              <a:t>x^P</a:t>
+            </a:r>
+            <a:r>
+              <a:rPr lang="en-US" dirty="0"/>
+              <a:t> % n</a:t>
+            </a:r>
+          </a:p>
+          <a:p>
+            <a:pPr lvl="1"/>
+            <a:r>
+              <a:rPr lang="en-US" dirty="0"/>
+              <a:t>FS(</a:t>
+            </a:r>
+            <a:r>
+              <a:rPr lang="en-US" dirty="0" err="1"/>
+              <a:t>x,n</a:t>
+            </a:r>
+            <a:r>
+              <a:rPr lang="en-US" dirty="0"/>
+              <a:t>) = </a:t>
+            </a:r>
+            <a:r>
+              <a:rPr lang="en-US" dirty="0" err="1"/>
+              <a:t>x^S</a:t>
+            </a:r>
+            <a:r>
+              <a:rPr lang="en-US" dirty="0"/>
+              <a:t> % n</a:t>
+            </a:r>
+          </a:p>
+          <a:p>
+            <a:pPr lvl="1"/>
+            <a:r>
+              <a:rPr lang="en-US" dirty="0"/>
+              <a:t>FP( FS(</a:t>
+            </a:r>
+            <a:r>
+              <a:rPr lang="en-US" dirty="0" err="1"/>
+              <a:t>x,n</a:t>
+            </a:r>
+            <a:r>
+              <a:rPr lang="en-US" dirty="0"/>
+              <a:t>), n) = x</a:t>
+            </a:r>
+          </a:p>
+        </p:txBody>
+      </p:sp>
+      <p:pic>
+        <p:nvPicPr>
+          <p:cNvPr id="7" name="Picture 6">
+            <a:extLst>
+              <a:ext uri="{FF2B5EF4-FFF2-40B4-BE49-F238E27FC236}">
+                <a16:creationId xmlns:a16="http://schemas.microsoft.com/office/drawing/2014/main" id="{BFCB82AE-39FE-426D-97E9-C671C9D768B2}"/>
+              </a:ext>
+            </a:extLst>
+          </p:cNvPr>
+          <p:cNvPicPr>
+            <a:picLocks noChangeAspect="1"/>
+          </p:cNvPicPr>
+          <p:nvPr/>
+        </p:nvPicPr>
+        <p:blipFill>
+          <a:blip r:embed="rId3"/>
+          <a:stretch>
+            <a:fillRect/>
+          </a:stretch>
+        </p:blipFill>
+        <p:spPr>
+          <a:xfrm>
+            <a:off x="5564210" y="796413"/>
+            <a:ext cx="5546677" cy="5102943"/>
+          </a:xfrm>
+          <a:prstGeom prst="roundRect">
+            <a:avLst>
+              <a:gd name="adj" fmla="val 4380"/>
+            </a:avLst>
+          </a:prstGeom>
+          <a:ln w="50800" cap="sq" cmpd="dbl">
+            <a:gradFill flip="none" rotWithShape="1">
+              <a:gsLst>
+                <a:gs pos="0">
+                  <a:srgbClr val="FFFFFF"/>
+                </a:gs>
+                <a:gs pos="100000">
+                  <a:schemeClr val="tx1">
+                    <a:alpha val="0"/>
+                  </a:schemeClr>
+                </a:gs>
+              </a:gsLst>
+              <a:path path="circle">
+                <a:fillToRect l="50000" t="50000" r="50000" b="50000"/>
+              </a:path>
+              <a:tileRect/>
+            </a:gradFill>
+            <a:miter lim="800000"/>
+          </a:ln>
+          <a:effectLst>
+            <a:outerShdw blurRad="254000" algn="tl" rotWithShape="0">
+              <a:srgbClr val="000000">
+                <a:alpha val="43000"/>
+              </a:srgbClr>
+            </a:outerShdw>
+          </a:effectLst>
+        </p:spPr>
+      </p:pic>
     </p:spTree>
     <p:extLst>
       <p:ext uri="{BB962C8B-B14F-4D97-AF65-F5344CB8AC3E}">
         <p14:creationId xmlns:p14="http://schemas.microsoft.com/office/powerpoint/2010/main" val="3095251866"/>
+      </p:ext>
+    </p:extLst>
+  </p:cSld>
+  <p:clrMapOvr>
+    <a:masterClrMapping/>
+  </p:clrMapOvr>
+</p:sld>
+</file>
+
+<file path=ppt/slides/slide12.xml><?xml version="1.0" encoding="utf-8"?>
+<p:sld xmlns:a="http://schemas.openxmlformats.org/drawingml/2006/main" xmlns:r="http://schemas.openxmlformats.org/officeDocument/2006/relationships" xmlns:p="http://schemas.openxmlformats.org/presentationml/2006/main">
+  <p:cSld>
+    <p:bg>
+      <p:bgPr>
+        <a:blipFill>
+          <a:blip r:embed="rId2"/>
+          <a:stretch/>
+        </a:blipFill>
+        <a:effectLst/>
+      </p:bgPr>
+    </p:bg>
+    <p:spTree>
+      <p:nvGrpSpPr>
+        <p:cNvPr id="1" name=""/>
+        <p:cNvGrpSpPr/>
+        <p:nvPr/>
+      </p:nvGrpSpPr>
+      <p:grpSpPr>
+        <a:xfrm>
+          <a:off x="0" y="0"/>
+          <a:ext cx="0" cy="0"/>
+          <a:chOff x="0" y="0"/>
+          <a:chExt cx="0" cy="0"/>
+        </a:xfrm>
+      </p:grpSpPr>
+      <p:sp>
+        <p:nvSpPr>
+          <p:cNvPr id="2" name="Title 1">
+            <a:extLst>
+              <a:ext uri="{FF2B5EF4-FFF2-40B4-BE49-F238E27FC236}">
+                <a16:creationId xmlns:a16="http://schemas.microsoft.com/office/drawing/2014/main" id="{8CBCFF0F-1827-4DC0-ABAA-51FD4CF0B934}"/>
+              </a:ext>
+            </a:extLst>
+          </p:cNvPr>
+          <p:cNvSpPr>
+            <a:spLocks noGrp="1"/>
+          </p:cNvSpPr>
+          <p:nvPr>
+            <p:ph type="title"/>
+          </p:nvPr>
+        </p:nvSpPr>
+        <p:spPr>
+          <a:xfrm>
+            <a:off x="825909" y="808055"/>
+            <a:ext cx="3979205" cy="1453363"/>
+          </a:xfrm>
+        </p:spPr>
+        <p:txBody>
+          <a:bodyPr>
+            <a:normAutofit/>
+          </a:bodyPr>
+          <a:lstStyle/>
+          <a:p>
+            <a:r>
+              <a:rPr lang="en-US" dirty="0"/>
+              <a:t>Example (Cont’d)</a:t>
+            </a:r>
+          </a:p>
+        </p:txBody>
+      </p:sp>
+      <p:sp>
+        <p:nvSpPr>
+          <p:cNvPr id="3" name="Content Placeholder 2">
+            <a:extLst>
+              <a:ext uri="{FF2B5EF4-FFF2-40B4-BE49-F238E27FC236}">
+                <a16:creationId xmlns:a16="http://schemas.microsoft.com/office/drawing/2014/main" id="{6B990164-3C67-4C99-8C76-F5D0C493DE13}"/>
+              </a:ext>
+            </a:extLst>
+          </p:cNvPr>
+          <p:cNvSpPr>
+            <a:spLocks noGrp="1"/>
+          </p:cNvSpPr>
+          <p:nvPr>
+            <p:ph idx="1"/>
+          </p:nvPr>
+        </p:nvSpPr>
+        <p:spPr>
+          <a:xfrm>
+            <a:off x="802178" y="2261420"/>
+            <a:ext cx="4002936" cy="3637935"/>
+          </a:xfrm>
+        </p:spPr>
+        <p:txBody>
+          <a:bodyPr>
+            <a:normAutofit/>
+          </a:bodyPr>
+          <a:lstStyle/>
+          <a:p>
+            <a:r>
+              <a:rPr lang="en-US" dirty="0"/>
+              <a:t>By opening the key files, we can see the current values of the public and secret keys</a:t>
+            </a:r>
+          </a:p>
+          <a:p>
+            <a:r>
+              <a:rPr lang="en-US" dirty="0"/>
+              <a:t>Both the public key and the secret key save the same value of n</a:t>
+            </a:r>
+          </a:p>
+        </p:txBody>
+      </p:sp>
+      <p:pic>
+        <p:nvPicPr>
+          <p:cNvPr id="5" name="Picture 4">
+            <a:extLst>
+              <a:ext uri="{FF2B5EF4-FFF2-40B4-BE49-F238E27FC236}">
+                <a16:creationId xmlns:a16="http://schemas.microsoft.com/office/drawing/2014/main" id="{D5A147CA-2CB7-42B5-9CF8-6825606BA9EB}"/>
+              </a:ext>
+            </a:extLst>
+          </p:cNvPr>
+          <p:cNvPicPr>
+            <a:picLocks noChangeAspect="1"/>
+          </p:cNvPicPr>
+          <p:nvPr/>
+        </p:nvPicPr>
+        <p:blipFill>
+          <a:blip r:embed="rId3"/>
+          <a:stretch>
+            <a:fillRect/>
+          </a:stretch>
+        </p:blipFill>
+        <p:spPr>
+          <a:xfrm>
+            <a:off x="5289752" y="1191569"/>
+            <a:ext cx="6095593" cy="4312631"/>
+          </a:xfrm>
+          <a:prstGeom prst="roundRect">
+            <a:avLst>
+              <a:gd name="adj" fmla="val 4380"/>
+            </a:avLst>
+          </a:prstGeom>
+          <a:ln w="50800" cap="sq" cmpd="dbl">
+            <a:gradFill flip="none" rotWithShape="1">
+              <a:gsLst>
+                <a:gs pos="0">
+                  <a:srgbClr val="FFFFFF"/>
+                </a:gs>
+                <a:gs pos="100000">
+                  <a:schemeClr val="tx1">
+                    <a:alpha val="0"/>
+                  </a:schemeClr>
+                </a:gs>
+              </a:gsLst>
+              <a:path path="circle">
+                <a:fillToRect l="50000" t="50000" r="50000" b="50000"/>
+              </a:path>
+              <a:tileRect/>
+            </a:gradFill>
+            <a:miter lim="800000"/>
+          </a:ln>
+          <a:effectLst>
+            <a:outerShdw blurRad="254000" algn="tl" rotWithShape="0">
+              <a:srgbClr val="000000">
+                <a:alpha val="43000"/>
+              </a:srgbClr>
+            </a:outerShdw>
+          </a:effectLst>
+        </p:spPr>
+      </p:pic>
+    </p:spTree>
+    <p:extLst>
+      <p:ext uri="{BB962C8B-B14F-4D97-AF65-F5344CB8AC3E}">
+        <p14:creationId xmlns:p14="http://schemas.microsoft.com/office/powerpoint/2010/main" val="1233516154"/>
+      </p:ext>
+    </p:extLst>
+  </p:cSld>
+  <p:clrMapOvr>
+    <a:masterClrMapping/>
+  </p:clrMapOvr>
+</p:sld>
+</file>
+
+<file path=ppt/slides/slide13.xml><?xml version="1.0" encoding="utf-8"?>
+<p:sld xmlns:a="http://schemas.openxmlformats.org/drawingml/2006/main" xmlns:r="http://schemas.openxmlformats.org/officeDocument/2006/relationships" xmlns:p="http://schemas.openxmlformats.org/presentationml/2006/main">
+  <p:cSld>
+    <p:bg>
+      <p:bgPr>
+        <a:blipFill>
+          <a:blip r:embed="rId2"/>
+          <a:stretch/>
+        </a:blipFill>
+        <a:effectLst/>
+      </p:bgPr>
+    </p:bg>
+    <p:spTree>
+      <p:nvGrpSpPr>
+        <p:cNvPr id="1" name=""/>
+        <p:cNvGrpSpPr/>
+        <p:nvPr/>
+      </p:nvGrpSpPr>
+      <p:grpSpPr>
+        <a:xfrm>
+          <a:off x="0" y="0"/>
+          <a:ext cx="0" cy="0"/>
+          <a:chOff x="0" y="0"/>
+          <a:chExt cx="0" cy="0"/>
+        </a:xfrm>
+      </p:grpSpPr>
+      <p:sp>
+        <p:nvSpPr>
+          <p:cNvPr id="2" name="Title 1">
+            <a:extLst>
+              <a:ext uri="{FF2B5EF4-FFF2-40B4-BE49-F238E27FC236}">
+                <a16:creationId xmlns:a16="http://schemas.microsoft.com/office/drawing/2014/main" id="{D670A7CD-E729-4FC0-9270-69D0BED5CAE1}"/>
+              </a:ext>
+            </a:extLst>
+          </p:cNvPr>
+          <p:cNvSpPr>
+            <a:spLocks noGrp="1"/>
+          </p:cNvSpPr>
+          <p:nvPr>
+            <p:ph type="title"/>
+          </p:nvPr>
+        </p:nvSpPr>
+        <p:spPr>
+          <a:xfrm>
+            <a:off x="825909" y="808055"/>
+            <a:ext cx="3979205" cy="1453363"/>
+          </a:xfrm>
+        </p:spPr>
+        <p:txBody>
+          <a:bodyPr>
+            <a:normAutofit/>
+          </a:bodyPr>
+          <a:lstStyle/>
+          <a:p>
+            <a:r>
+              <a:rPr lang="en-US"/>
+              <a:t>Example (Cont’d)</a:t>
+            </a:r>
+            <a:endParaRPr lang="en-US" dirty="0"/>
+          </a:p>
+        </p:txBody>
+      </p:sp>
+      <p:sp>
+        <p:nvSpPr>
+          <p:cNvPr id="3" name="Content Placeholder 2">
+            <a:extLst>
+              <a:ext uri="{FF2B5EF4-FFF2-40B4-BE49-F238E27FC236}">
+                <a16:creationId xmlns:a16="http://schemas.microsoft.com/office/drawing/2014/main" id="{52E2BE5B-BAA8-4483-B403-F3F571477050}"/>
+              </a:ext>
+            </a:extLst>
+          </p:cNvPr>
+          <p:cNvSpPr>
+            <a:spLocks noGrp="1"/>
+          </p:cNvSpPr>
+          <p:nvPr>
+            <p:ph idx="1"/>
+          </p:nvPr>
+        </p:nvSpPr>
+        <p:spPr>
+          <a:xfrm>
+            <a:off x="802178" y="2261420"/>
+            <a:ext cx="4002936" cy="3637935"/>
+          </a:xfrm>
+        </p:spPr>
+        <p:txBody>
+          <a:bodyPr>
+            <a:normAutofit/>
+          </a:bodyPr>
+          <a:lstStyle/>
+          <a:p>
+            <a:r>
+              <a:rPr lang="en-US" dirty="0"/>
+              <a:t>The first block shows the contents of the sample file</a:t>
+            </a:r>
+          </a:p>
+          <a:p>
+            <a:r>
+              <a:rPr lang="en-US" dirty="0"/>
+              <a:t>The second shows the encrypted version</a:t>
+            </a:r>
+          </a:p>
+          <a:p>
+            <a:r>
+              <a:rPr lang="en-US" dirty="0"/>
+              <a:t>Results are much larger than the original</a:t>
+            </a:r>
+          </a:p>
+          <a:p>
+            <a:pPr lvl="1"/>
+            <a:r>
+              <a:rPr lang="en-US" dirty="0"/>
+              <a:t>Text must be converted to ASCII (0-255)</a:t>
+            </a:r>
+          </a:p>
+          <a:p>
+            <a:pPr lvl="1"/>
+            <a:r>
+              <a:rPr lang="en-US" dirty="0"/>
+              <a:t>Encrypted ASCII is well outside the range</a:t>
+            </a:r>
+          </a:p>
+        </p:txBody>
+      </p:sp>
+      <p:pic>
+        <p:nvPicPr>
+          <p:cNvPr id="7" name="Picture 6">
+            <a:extLst>
+              <a:ext uri="{FF2B5EF4-FFF2-40B4-BE49-F238E27FC236}">
+                <a16:creationId xmlns:a16="http://schemas.microsoft.com/office/drawing/2014/main" id="{AD572C24-0992-4146-900F-A53BC99A9BA7}"/>
+              </a:ext>
+            </a:extLst>
+          </p:cNvPr>
+          <p:cNvPicPr>
+            <a:picLocks noChangeAspect="1"/>
+          </p:cNvPicPr>
+          <p:nvPr/>
+        </p:nvPicPr>
+        <p:blipFill>
+          <a:blip r:embed="rId3"/>
+          <a:stretch>
+            <a:fillRect/>
+          </a:stretch>
+        </p:blipFill>
+        <p:spPr>
+          <a:xfrm>
+            <a:off x="5289752" y="1991615"/>
+            <a:ext cx="6095593" cy="2712539"/>
+          </a:xfrm>
+          <a:prstGeom prst="roundRect">
+            <a:avLst>
+              <a:gd name="adj" fmla="val 4380"/>
+            </a:avLst>
+          </a:prstGeom>
+          <a:ln w="50800" cap="sq" cmpd="dbl">
+            <a:gradFill flip="none" rotWithShape="1">
+              <a:gsLst>
+                <a:gs pos="0">
+                  <a:srgbClr val="FFFFFF"/>
+                </a:gs>
+                <a:gs pos="100000">
+                  <a:schemeClr val="tx1">
+                    <a:alpha val="0"/>
+                  </a:schemeClr>
+                </a:gs>
+              </a:gsLst>
+              <a:path path="circle">
+                <a:fillToRect l="50000" t="50000" r="50000" b="50000"/>
+              </a:path>
+              <a:tileRect/>
+            </a:gradFill>
+            <a:miter lim="800000"/>
+          </a:ln>
+          <a:effectLst>
+            <a:outerShdw blurRad="254000" algn="tl" rotWithShape="0">
+              <a:srgbClr val="000000">
+                <a:alpha val="43000"/>
+              </a:srgbClr>
+            </a:outerShdw>
+          </a:effectLst>
+        </p:spPr>
+      </p:pic>
+    </p:spTree>
+    <p:extLst>
+      <p:ext uri="{BB962C8B-B14F-4D97-AF65-F5344CB8AC3E}">
+        <p14:creationId xmlns:p14="http://schemas.microsoft.com/office/powerpoint/2010/main" val="4131189724"/>
+      </p:ext>
+    </p:extLst>
+  </p:cSld>
+  <p:clrMapOvr>
+    <a:masterClrMapping/>
+  </p:clrMapOvr>
+</p:sld>
+</file>
+
+<file path=ppt/slides/slide14.xml><?xml version="1.0" encoding="utf-8"?>
+<p:sld xmlns:a="http://schemas.openxmlformats.org/drawingml/2006/main" xmlns:r="http://schemas.openxmlformats.org/officeDocument/2006/relationships" xmlns:p="http://schemas.openxmlformats.org/presentationml/2006/main">
+  <p:cSld>
+    <p:bg>
+      <p:bgPr>
+        <a:blipFill>
+          <a:blip r:embed="rId2"/>
+          <a:stretch/>
+        </a:blipFill>
+        <a:effectLst/>
+      </p:bgPr>
+    </p:bg>
+    <p:spTree>
+      <p:nvGrpSpPr>
+        <p:cNvPr id="1" name=""/>
+        <p:cNvGrpSpPr/>
+        <p:nvPr/>
+      </p:nvGrpSpPr>
+      <p:grpSpPr>
+        <a:xfrm>
+          <a:off x="0" y="0"/>
+          <a:ext cx="0" cy="0"/>
+          <a:chOff x="0" y="0"/>
+          <a:chExt cx="0" cy="0"/>
+        </a:xfrm>
+      </p:grpSpPr>
+      <p:sp>
+        <p:nvSpPr>
+          <p:cNvPr id="2" name="Title 1">
+            <a:extLst>
+              <a:ext uri="{FF2B5EF4-FFF2-40B4-BE49-F238E27FC236}">
+                <a16:creationId xmlns:a16="http://schemas.microsoft.com/office/drawing/2014/main" id="{8AE19F3E-5C2C-4EE3-958E-DF19CACCD0CF}"/>
+              </a:ext>
+            </a:extLst>
+          </p:cNvPr>
+          <p:cNvSpPr>
+            <a:spLocks noGrp="1"/>
+          </p:cNvSpPr>
+          <p:nvPr>
+            <p:ph type="title"/>
+          </p:nvPr>
+        </p:nvSpPr>
+        <p:spPr>
+          <a:xfrm>
+            <a:off x="825909" y="808055"/>
+            <a:ext cx="3979205" cy="1453363"/>
+          </a:xfrm>
+        </p:spPr>
+        <p:txBody>
+          <a:bodyPr>
+            <a:normAutofit/>
+          </a:bodyPr>
+          <a:lstStyle/>
+          <a:p>
+            <a:r>
+              <a:rPr lang="en-US" dirty="0"/>
+              <a:t>Example (Cont’d)</a:t>
+            </a:r>
+          </a:p>
+        </p:txBody>
+      </p:sp>
+      <p:sp>
+        <p:nvSpPr>
+          <p:cNvPr id="3" name="Content Placeholder 2">
+            <a:extLst>
+              <a:ext uri="{FF2B5EF4-FFF2-40B4-BE49-F238E27FC236}">
+                <a16:creationId xmlns:a16="http://schemas.microsoft.com/office/drawing/2014/main" id="{C763CC99-CFE9-4346-9114-FEB730CBC0F3}"/>
+              </a:ext>
+            </a:extLst>
+          </p:cNvPr>
+          <p:cNvSpPr>
+            <a:spLocks noGrp="1"/>
+          </p:cNvSpPr>
+          <p:nvPr>
+            <p:ph idx="1"/>
+          </p:nvPr>
+        </p:nvSpPr>
+        <p:spPr>
+          <a:xfrm>
+            <a:off x="802178" y="2261420"/>
+            <a:ext cx="4002936" cy="3637935"/>
+          </a:xfrm>
+        </p:spPr>
+        <p:txBody>
+          <a:bodyPr>
+            <a:normAutofit/>
+          </a:bodyPr>
+          <a:lstStyle/>
+          <a:p>
+            <a:r>
+              <a:rPr lang="en-US" dirty="0"/>
+              <a:t>Regardless of how garbled the resulting encrypted file is, decrypting yields the original text</a:t>
+            </a:r>
+          </a:p>
+        </p:txBody>
+      </p:sp>
+      <p:pic>
+        <p:nvPicPr>
+          <p:cNvPr id="5" name="Picture 4">
+            <a:extLst>
+              <a:ext uri="{FF2B5EF4-FFF2-40B4-BE49-F238E27FC236}">
+                <a16:creationId xmlns:a16="http://schemas.microsoft.com/office/drawing/2014/main" id="{A6AF3B9D-0D8B-42CF-B29F-434D207E3C93}"/>
+              </a:ext>
+            </a:extLst>
+          </p:cNvPr>
+          <p:cNvPicPr>
+            <a:picLocks noChangeAspect="1"/>
+          </p:cNvPicPr>
+          <p:nvPr/>
+        </p:nvPicPr>
+        <p:blipFill>
+          <a:blip r:embed="rId3"/>
+          <a:stretch>
+            <a:fillRect/>
+          </a:stretch>
+        </p:blipFill>
+        <p:spPr>
+          <a:xfrm>
+            <a:off x="5289752" y="2555458"/>
+            <a:ext cx="6095593" cy="1584853"/>
+          </a:xfrm>
+          <a:prstGeom prst="roundRect">
+            <a:avLst>
+              <a:gd name="adj" fmla="val 4380"/>
+            </a:avLst>
+          </a:prstGeom>
+          <a:ln w="50800" cap="sq" cmpd="dbl">
+            <a:gradFill flip="none" rotWithShape="1">
+              <a:gsLst>
+                <a:gs pos="0">
+                  <a:srgbClr val="FFFFFF"/>
+                </a:gs>
+                <a:gs pos="100000">
+                  <a:schemeClr val="tx1">
+                    <a:alpha val="0"/>
+                  </a:schemeClr>
+                </a:gs>
+              </a:gsLst>
+              <a:path path="circle">
+                <a:fillToRect l="50000" t="50000" r="50000" b="50000"/>
+              </a:path>
+              <a:tileRect/>
+            </a:gradFill>
+            <a:miter lim="800000"/>
+          </a:ln>
+          <a:effectLst>
+            <a:outerShdw blurRad="254000" algn="tl" rotWithShape="0">
+              <a:srgbClr val="000000">
+                <a:alpha val="43000"/>
+              </a:srgbClr>
+            </a:outerShdw>
+          </a:effectLst>
+        </p:spPr>
+      </p:pic>
+    </p:spTree>
+    <p:extLst>
+      <p:ext uri="{BB962C8B-B14F-4D97-AF65-F5344CB8AC3E}">
+        <p14:creationId xmlns:p14="http://schemas.microsoft.com/office/powerpoint/2010/main" val="378303313"/>
       </p:ext>
     </p:extLst>
   </p:cSld>

--- a/rsa/pres/rsa_presentation.pptx
+++ b/rsa/pres/rsa_presentation.pptx
@@ -4,12 +4,15 @@
   <p:sldMasterIdLst>
     <p:sldMasterId id="2147483660" r:id="rId1"/>
   </p:sldMasterIdLst>
+  <p:notesMasterIdLst>
+    <p:notesMasterId r:id="rId16"/>
+  </p:notesMasterIdLst>
   <p:sldIdLst>
     <p:sldId id="256" r:id="rId2"/>
-    <p:sldId id="257" r:id="rId3"/>
-    <p:sldId id="258" r:id="rId4"/>
-    <p:sldId id="259" r:id="rId5"/>
-    <p:sldId id="260" r:id="rId6"/>
+    <p:sldId id="259" r:id="rId3"/>
+    <p:sldId id="260" r:id="rId4"/>
+    <p:sldId id="257" r:id="rId5"/>
+    <p:sldId id="258" r:id="rId6"/>
     <p:sldId id="261" r:id="rId7"/>
     <p:sldId id="263" r:id="rId8"/>
     <p:sldId id="262" r:id="rId9"/>
@@ -1048,7 +1051,7 @@
 <dgm:dataModel xmlns:dgm="http://schemas.openxmlformats.org/drawingml/2006/diagram" xmlns:a="http://schemas.openxmlformats.org/drawingml/2006/main">
   <dgm:ptLst>
     <dgm:pt modelId="{4FF5754B-DC89-42DA-A188-16E4270268F3}" type="doc">
-      <dgm:prSet loTypeId="urn:microsoft.com/office/officeart/2005/8/layout/hList1" loCatId="list" qsTypeId="urn:microsoft.com/office/officeart/2005/8/quickstyle/simple1" qsCatId="simple" csTypeId="urn:microsoft.com/office/officeart/2005/8/colors/colorful1" csCatId="colorful"/>
+      <dgm:prSet loTypeId="urn:microsoft.com/office/officeart/2005/8/layout/hList1" loCatId="list" qsTypeId="urn:microsoft.com/office/officeart/2005/8/quickstyle/simple1" qsCatId="simple" csTypeId="urn:microsoft.com/office/officeart/2005/8/colors/colorful1" csCatId="colorful" phldr="1"/>
       <dgm:spPr/>
       <dgm:t>
         <a:bodyPr/>
@@ -1102,8 +1105,8 @@
         <a:lstStyle/>
         <a:p>
           <a:r>
-            <a:rPr lang="en-US"/>
-            <a:t>For a given text size n, how is the key?</a:t>
+            <a:rPr lang="en-US" dirty="0"/>
+            <a:t>For a given text size n, how large is the key?</a:t>
           </a:r>
         </a:p>
       </dgm:t>
@@ -1495,7 +1498,7 @@
   <dgm:whole/>
   <dgm:extLst>
     <a:ext uri="http://schemas.microsoft.com/office/drawing/2008/diagram">
-      <dsp:dataModelExt xmlns:dsp="http://schemas.microsoft.com/office/drawing/2008/diagram" relId="rId7" minVer="http://schemas.openxmlformats.org/drawingml/2006/diagram"/>
+      <dsp:dataModelExt xmlns:dsp="http://schemas.microsoft.com/office/drawing/2008/diagram" relId="rId8" minVer="http://schemas.openxmlformats.org/drawingml/2006/diagram"/>
     </a:ext>
   </dgm:extLst>
 </dgm:dataModel>
@@ -1655,8 +1658,8 @@
             <a:buChar char="•"/>
           </a:pPr>
           <a:r>
-            <a:rPr lang="en-US" sz="2000" kern="1200"/>
-            <a:t>For a given text size n, how is the key?</a:t>
+            <a:rPr lang="en-US" sz="2000" kern="1200" dirty="0"/>
+            <a:t>For a given text size n, how large is the key?</a:t>
           </a:r>
         </a:p>
       </dsp:txBody>
@@ -3388,6 +3391,757 @@
 </dgm:styleDef>
 </file>
 
+<file path=ppt/notesMasters/notesMaster1.xml><?xml version="1.0" encoding="utf-8"?>
+<p:notesMaster xmlns:a="http://schemas.openxmlformats.org/drawingml/2006/main" xmlns:r="http://schemas.openxmlformats.org/officeDocument/2006/relationships" xmlns:p="http://schemas.openxmlformats.org/presentationml/2006/main">
+  <p:cSld>
+    <p:bg>
+      <p:bgRef idx="1001">
+        <a:schemeClr val="bg1"/>
+      </p:bgRef>
+    </p:bg>
+    <p:spTree>
+      <p:nvGrpSpPr>
+        <p:cNvPr id="1" name=""/>
+        <p:cNvGrpSpPr/>
+        <p:nvPr/>
+      </p:nvGrpSpPr>
+      <p:grpSpPr>
+        <a:xfrm>
+          <a:off x="0" y="0"/>
+          <a:ext cx="0" cy="0"/>
+          <a:chOff x="0" y="0"/>
+          <a:chExt cx="0" cy="0"/>
+        </a:xfrm>
+      </p:grpSpPr>
+      <p:sp>
+        <p:nvSpPr>
+          <p:cNvPr id="2" name="Header Placeholder 1"/>
+          <p:cNvSpPr>
+            <a:spLocks noGrp="1"/>
+          </p:cNvSpPr>
+          <p:nvPr>
+            <p:ph type="hdr" sz="quarter"/>
+          </p:nvPr>
+        </p:nvSpPr>
+        <p:spPr>
+          <a:xfrm>
+            <a:off x="0" y="0"/>
+            <a:ext cx="2971800" cy="458788"/>
+          </a:xfrm>
+          <a:prstGeom prst="rect">
+            <a:avLst/>
+          </a:prstGeom>
+        </p:spPr>
+        <p:txBody>
+          <a:bodyPr vert="horz" lIns="91440" tIns="45720" rIns="91440" bIns="45720" rtlCol="0"/>
+          <a:lstStyle>
+            <a:lvl1pPr algn="l">
+              <a:defRPr sz="1200"/>
+            </a:lvl1pPr>
+          </a:lstStyle>
+          <a:p>
+            <a:endParaRPr lang="en-US"/>
+          </a:p>
+        </p:txBody>
+      </p:sp>
+      <p:sp>
+        <p:nvSpPr>
+          <p:cNvPr id="3" name="Date Placeholder 2"/>
+          <p:cNvSpPr>
+            <a:spLocks noGrp="1"/>
+          </p:cNvSpPr>
+          <p:nvPr>
+            <p:ph type="dt" idx="1"/>
+          </p:nvPr>
+        </p:nvSpPr>
+        <p:spPr>
+          <a:xfrm>
+            <a:off x="3884613" y="0"/>
+            <a:ext cx="2971800" cy="458788"/>
+          </a:xfrm>
+          <a:prstGeom prst="rect">
+            <a:avLst/>
+          </a:prstGeom>
+        </p:spPr>
+        <p:txBody>
+          <a:bodyPr vert="horz" lIns="91440" tIns="45720" rIns="91440" bIns="45720" rtlCol="0"/>
+          <a:lstStyle>
+            <a:lvl1pPr algn="r">
+              <a:defRPr sz="1200"/>
+            </a:lvl1pPr>
+          </a:lstStyle>
+          <a:p>
+            <a:fld id="{C3EB4522-6847-4FF1-9818-6131CEC1E77F}" type="datetimeFigureOut">
+              <a:rPr lang="en-US" smtClean="0"/>
+              <a:t>4/11/2021</a:t>
+            </a:fld>
+            <a:endParaRPr lang="en-US"/>
+          </a:p>
+        </p:txBody>
+      </p:sp>
+      <p:sp>
+        <p:nvSpPr>
+          <p:cNvPr id="4" name="Slide Image Placeholder 3"/>
+          <p:cNvSpPr>
+            <a:spLocks noGrp="1" noRot="1" noChangeAspect="1"/>
+          </p:cNvSpPr>
+          <p:nvPr>
+            <p:ph type="sldImg" idx="2"/>
+          </p:nvPr>
+        </p:nvSpPr>
+        <p:spPr>
+          <a:xfrm>
+            <a:off x="685800" y="1143000"/>
+            <a:ext cx="5486400" cy="3086100"/>
+          </a:xfrm>
+          <a:prstGeom prst="rect">
+            <a:avLst/>
+          </a:prstGeom>
+          <a:noFill/>
+          <a:ln w="12700">
+            <a:solidFill>
+              <a:prstClr val="black"/>
+            </a:solidFill>
+          </a:ln>
+        </p:spPr>
+        <p:txBody>
+          <a:bodyPr vert="horz" lIns="91440" tIns="45720" rIns="91440" bIns="45720" rtlCol="0" anchor="ctr"/>
+          <a:lstStyle/>
+          <a:p>
+            <a:endParaRPr lang="en-US"/>
+          </a:p>
+        </p:txBody>
+      </p:sp>
+      <p:sp>
+        <p:nvSpPr>
+          <p:cNvPr id="5" name="Notes Placeholder 4"/>
+          <p:cNvSpPr>
+            <a:spLocks noGrp="1"/>
+          </p:cNvSpPr>
+          <p:nvPr>
+            <p:ph type="body" sz="quarter" idx="3"/>
+          </p:nvPr>
+        </p:nvSpPr>
+        <p:spPr>
+          <a:xfrm>
+            <a:off x="685800" y="4400550"/>
+            <a:ext cx="5486400" cy="3600450"/>
+          </a:xfrm>
+          <a:prstGeom prst="rect">
+            <a:avLst/>
+          </a:prstGeom>
+        </p:spPr>
+        <p:txBody>
+          <a:bodyPr vert="horz" lIns="91440" tIns="45720" rIns="91440" bIns="45720" rtlCol="0"/>
+          <a:lstStyle/>
+          <a:p>
+            <a:pPr lvl="0"/>
+            <a:r>
+              <a:rPr lang="en-US"/>
+              <a:t>Click to edit Master text styles</a:t>
+            </a:r>
+          </a:p>
+          <a:p>
+            <a:pPr lvl="1"/>
+            <a:r>
+              <a:rPr lang="en-US"/>
+              <a:t>Second level</a:t>
+            </a:r>
+          </a:p>
+          <a:p>
+            <a:pPr lvl="2"/>
+            <a:r>
+              <a:rPr lang="en-US"/>
+              <a:t>Third level</a:t>
+            </a:r>
+          </a:p>
+          <a:p>
+            <a:pPr lvl="3"/>
+            <a:r>
+              <a:rPr lang="en-US"/>
+              <a:t>Fourth level</a:t>
+            </a:r>
+          </a:p>
+          <a:p>
+            <a:pPr lvl="4"/>
+            <a:r>
+              <a:rPr lang="en-US"/>
+              <a:t>Fifth level</a:t>
+            </a:r>
+          </a:p>
+        </p:txBody>
+      </p:sp>
+      <p:sp>
+        <p:nvSpPr>
+          <p:cNvPr id="6" name="Footer Placeholder 5"/>
+          <p:cNvSpPr>
+            <a:spLocks noGrp="1"/>
+          </p:cNvSpPr>
+          <p:nvPr>
+            <p:ph type="ftr" sz="quarter" idx="4"/>
+          </p:nvPr>
+        </p:nvSpPr>
+        <p:spPr>
+          <a:xfrm>
+            <a:off x="0" y="8685213"/>
+            <a:ext cx="2971800" cy="458787"/>
+          </a:xfrm>
+          <a:prstGeom prst="rect">
+            <a:avLst/>
+          </a:prstGeom>
+        </p:spPr>
+        <p:txBody>
+          <a:bodyPr vert="horz" lIns="91440" tIns="45720" rIns="91440" bIns="45720" rtlCol="0" anchor="b"/>
+          <a:lstStyle>
+            <a:lvl1pPr algn="l">
+              <a:defRPr sz="1200"/>
+            </a:lvl1pPr>
+          </a:lstStyle>
+          <a:p>
+            <a:endParaRPr lang="en-US"/>
+          </a:p>
+        </p:txBody>
+      </p:sp>
+      <p:sp>
+        <p:nvSpPr>
+          <p:cNvPr id="7" name="Slide Number Placeholder 6"/>
+          <p:cNvSpPr>
+            <a:spLocks noGrp="1"/>
+          </p:cNvSpPr>
+          <p:nvPr>
+            <p:ph type="sldNum" sz="quarter" idx="5"/>
+          </p:nvPr>
+        </p:nvSpPr>
+        <p:spPr>
+          <a:xfrm>
+            <a:off x="3884613" y="8685213"/>
+            <a:ext cx="2971800" cy="458787"/>
+          </a:xfrm>
+          <a:prstGeom prst="rect">
+            <a:avLst/>
+          </a:prstGeom>
+        </p:spPr>
+        <p:txBody>
+          <a:bodyPr vert="horz" lIns="91440" tIns="45720" rIns="91440" bIns="45720" rtlCol="0" anchor="b"/>
+          <a:lstStyle>
+            <a:lvl1pPr algn="r">
+              <a:defRPr sz="1200"/>
+            </a:lvl1pPr>
+          </a:lstStyle>
+          <a:p>
+            <a:fld id="{FFEE457D-A6AD-45D5-A572-DEC71BC8D510}" type="slidenum">
+              <a:rPr lang="en-US" smtClean="0"/>
+              <a:t>‹#›</a:t>
+            </a:fld>
+            <a:endParaRPr lang="en-US"/>
+          </a:p>
+        </p:txBody>
+      </p:sp>
+    </p:spTree>
+    <p:extLst>
+      <p:ext uri="{BB962C8B-B14F-4D97-AF65-F5344CB8AC3E}">
+        <p14:creationId xmlns:p14="http://schemas.microsoft.com/office/powerpoint/2010/main" val="3524103731"/>
+      </p:ext>
+    </p:extLst>
+  </p:cSld>
+  <p:clrMap bg1="lt1" tx1="dk1" bg2="lt2" tx2="dk2" accent1="accent1" accent2="accent2" accent3="accent3" accent4="accent4" accent5="accent5" accent6="accent6" hlink="hlink" folHlink="folHlink"/>
+  <p:notesStyle>
+    <a:lvl1pPr marL="0" algn="l" defTabSz="914400" rtl="0" eaLnBrk="1" latinLnBrk="0" hangingPunct="1">
+      <a:defRPr sz="1200" kern="1200">
+        <a:solidFill>
+          <a:schemeClr val="tx1"/>
+        </a:solidFill>
+        <a:latin typeface="+mn-lt"/>
+        <a:ea typeface="+mn-ea"/>
+        <a:cs typeface="+mn-cs"/>
+      </a:defRPr>
+    </a:lvl1pPr>
+    <a:lvl2pPr marL="457200" algn="l" defTabSz="914400" rtl="0" eaLnBrk="1" latinLnBrk="0" hangingPunct="1">
+      <a:defRPr sz="1200" kern="1200">
+        <a:solidFill>
+          <a:schemeClr val="tx1"/>
+        </a:solidFill>
+        <a:latin typeface="+mn-lt"/>
+        <a:ea typeface="+mn-ea"/>
+        <a:cs typeface="+mn-cs"/>
+      </a:defRPr>
+    </a:lvl2pPr>
+    <a:lvl3pPr marL="914400" algn="l" defTabSz="914400" rtl="0" eaLnBrk="1" latinLnBrk="0" hangingPunct="1">
+      <a:defRPr sz="1200" kern="1200">
+        <a:solidFill>
+          <a:schemeClr val="tx1"/>
+        </a:solidFill>
+        <a:latin typeface="+mn-lt"/>
+        <a:ea typeface="+mn-ea"/>
+        <a:cs typeface="+mn-cs"/>
+      </a:defRPr>
+    </a:lvl3pPr>
+    <a:lvl4pPr marL="1371600" algn="l" defTabSz="914400" rtl="0" eaLnBrk="1" latinLnBrk="0" hangingPunct="1">
+      <a:defRPr sz="1200" kern="1200">
+        <a:solidFill>
+          <a:schemeClr val="tx1"/>
+        </a:solidFill>
+        <a:latin typeface="+mn-lt"/>
+        <a:ea typeface="+mn-ea"/>
+        <a:cs typeface="+mn-cs"/>
+      </a:defRPr>
+    </a:lvl4pPr>
+    <a:lvl5pPr marL="1828800" algn="l" defTabSz="914400" rtl="0" eaLnBrk="1" latinLnBrk="0" hangingPunct="1">
+      <a:defRPr sz="1200" kern="1200">
+        <a:solidFill>
+          <a:schemeClr val="tx1"/>
+        </a:solidFill>
+        <a:latin typeface="+mn-lt"/>
+        <a:ea typeface="+mn-ea"/>
+        <a:cs typeface="+mn-cs"/>
+      </a:defRPr>
+    </a:lvl5pPr>
+    <a:lvl6pPr marL="2286000" algn="l" defTabSz="914400" rtl="0" eaLnBrk="1" latinLnBrk="0" hangingPunct="1">
+      <a:defRPr sz="1200" kern="1200">
+        <a:solidFill>
+          <a:schemeClr val="tx1"/>
+        </a:solidFill>
+        <a:latin typeface="+mn-lt"/>
+        <a:ea typeface="+mn-ea"/>
+        <a:cs typeface="+mn-cs"/>
+      </a:defRPr>
+    </a:lvl6pPr>
+    <a:lvl7pPr marL="2743200" algn="l" defTabSz="914400" rtl="0" eaLnBrk="1" latinLnBrk="0" hangingPunct="1">
+      <a:defRPr sz="1200" kern="1200">
+        <a:solidFill>
+          <a:schemeClr val="tx1"/>
+        </a:solidFill>
+        <a:latin typeface="+mn-lt"/>
+        <a:ea typeface="+mn-ea"/>
+        <a:cs typeface="+mn-cs"/>
+      </a:defRPr>
+    </a:lvl7pPr>
+    <a:lvl8pPr marL="3200400" algn="l" defTabSz="914400" rtl="0" eaLnBrk="1" latinLnBrk="0" hangingPunct="1">
+      <a:defRPr sz="1200" kern="1200">
+        <a:solidFill>
+          <a:schemeClr val="tx1"/>
+        </a:solidFill>
+        <a:latin typeface="+mn-lt"/>
+        <a:ea typeface="+mn-ea"/>
+        <a:cs typeface="+mn-cs"/>
+      </a:defRPr>
+    </a:lvl8pPr>
+    <a:lvl9pPr marL="3657600" algn="l" defTabSz="914400" rtl="0" eaLnBrk="1" latinLnBrk="0" hangingPunct="1">
+      <a:defRPr sz="1200" kern="1200">
+        <a:solidFill>
+          <a:schemeClr val="tx1"/>
+        </a:solidFill>
+        <a:latin typeface="+mn-lt"/>
+        <a:ea typeface="+mn-ea"/>
+        <a:cs typeface="+mn-cs"/>
+      </a:defRPr>
+    </a:lvl9pPr>
+  </p:notesStyle>
+</p:notesMaster>
+</file>
+
+<file path=ppt/notesSlides/notesSlide1.xml><?xml version="1.0" encoding="utf-8"?>
+<p:notes xmlns:a="http://schemas.openxmlformats.org/drawingml/2006/main" xmlns:r="http://schemas.openxmlformats.org/officeDocument/2006/relationships" xmlns:p="http://schemas.openxmlformats.org/presentationml/2006/main">
+  <p:cSld>
+    <p:spTree>
+      <p:nvGrpSpPr>
+        <p:cNvPr id="1" name=""/>
+        <p:cNvGrpSpPr/>
+        <p:nvPr/>
+      </p:nvGrpSpPr>
+      <p:grpSpPr>
+        <a:xfrm>
+          <a:off x="0" y="0"/>
+          <a:ext cx="0" cy="0"/>
+          <a:chOff x="0" y="0"/>
+          <a:chExt cx="0" cy="0"/>
+        </a:xfrm>
+      </p:grpSpPr>
+      <p:sp>
+        <p:nvSpPr>
+          <p:cNvPr id="2" name="Slide Image Placeholder 1"/>
+          <p:cNvSpPr>
+            <a:spLocks noGrp="1" noRot="1" noChangeAspect="1"/>
+          </p:cNvSpPr>
+          <p:nvPr>
+            <p:ph type="sldImg"/>
+          </p:nvPr>
+        </p:nvSpPr>
+        <p:spPr/>
+      </p:sp>
+      <p:sp>
+        <p:nvSpPr>
+          <p:cNvPr id="3" name="Notes Placeholder 2"/>
+          <p:cNvSpPr>
+            <a:spLocks noGrp="1"/>
+          </p:cNvSpPr>
+          <p:nvPr>
+            <p:ph type="body" idx="1"/>
+          </p:nvPr>
+        </p:nvSpPr>
+        <p:spPr/>
+        <p:txBody>
+          <a:bodyPr/>
+          <a:lstStyle/>
+          <a:p>
+            <a:pPr marL="171450" indent="-171450">
+              <a:buFontTx/>
+              <a:buChar char="-"/>
+            </a:pPr>
+            <a:r>
+              <a:rPr lang="en-US" dirty="0"/>
+              <a:t>First of several</a:t>
+            </a:r>
+          </a:p>
+          <a:p>
+            <a:pPr marL="171450" indent="-171450">
+              <a:buFontTx/>
+              <a:buChar char="-"/>
+            </a:pPr>
+            <a:r>
+              <a:rPr lang="en-US" dirty="0"/>
+              <a:t>Talking about the basic principles of cryptography</a:t>
+            </a:r>
+          </a:p>
+          <a:p>
+            <a:pPr marL="171450" indent="-171450">
+              <a:buFontTx/>
+              <a:buChar char="-"/>
+            </a:pPr>
+            <a:r>
+              <a:rPr lang="en-US" dirty="0"/>
+              <a:t>What is RSA and why does it work</a:t>
+            </a:r>
+          </a:p>
+          <a:p>
+            <a:pPr marL="171450" indent="-171450">
+              <a:buFontTx/>
+              <a:buChar char="-"/>
+            </a:pPr>
+            <a:r>
+              <a:rPr lang="en-US" dirty="0"/>
+              <a:t>How is it done</a:t>
+            </a:r>
+          </a:p>
+        </p:txBody>
+      </p:sp>
+      <p:sp>
+        <p:nvSpPr>
+          <p:cNvPr id="4" name="Slide Number Placeholder 3"/>
+          <p:cNvSpPr>
+            <a:spLocks noGrp="1"/>
+          </p:cNvSpPr>
+          <p:nvPr>
+            <p:ph type="sldNum" sz="quarter" idx="5"/>
+          </p:nvPr>
+        </p:nvSpPr>
+        <p:spPr/>
+        <p:txBody>
+          <a:bodyPr/>
+          <a:lstStyle/>
+          <a:p>
+            <a:fld id="{FFEE457D-A6AD-45D5-A572-DEC71BC8D510}" type="slidenum">
+              <a:rPr lang="en-US" smtClean="0"/>
+              <a:t>1</a:t>
+            </a:fld>
+            <a:endParaRPr lang="en-US"/>
+          </a:p>
+        </p:txBody>
+      </p:sp>
+    </p:spTree>
+    <p:extLst>
+      <p:ext uri="{BB962C8B-B14F-4D97-AF65-F5344CB8AC3E}">
+        <p14:creationId xmlns:p14="http://schemas.microsoft.com/office/powerpoint/2010/main" val="978947099"/>
+      </p:ext>
+    </p:extLst>
+  </p:cSld>
+  <p:clrMapOvr>
+    <a:masterClrMapping/>
+  </p:clrMapOvr>
+</p:notes>
+</file>
+
+<file path=ppt/notesSlides/notesSlide2.xml><?xml version="1.0" encoding="utf-8"?>
+<p:notes xmlns:a="http://schemas.openxmlformats.org/drawingml/2006/main" xmlns:r="http://schemas.openxmlformats.org/officeDocument/2006/relationships" xmlns:p="http://schemas.openxmlformats.org/presentationml/2006/main">
+  <p:cSld>
+    <p:spTree>
+      <p:nvGrpSpPr>
+        <p:cNvPr id="1" name=""/>
+        <p:cNvGrpSpPr/>
+        <p:nvPr/>
+      </p:nvGrpSpPr>
+      <p:grpSpPr>
+        <a:xfrm>
+          <a:off x="0" y="0"/>
+          <a:ext cx="0" cy="0"/>
+          <a:chOff x="0" y="0"/>
+          <a:chExt cx="0" cy="0"/>
+        </a:xfrm>
+      </p:grpSpPr>
+      <p:sp>
+        <p:nvSpPr>
+          <p:cNvPr id="2" name="Slide Image Placeholder 1"/>
+          <p:cNvSpPr>
+            <a:spLocks noGrp="1" noRot="1" noChangeAspect="1"/>
+          </p:cNvSpPr>
+          <p:nvPr>
+            <p:ph type="sldImg"/>
+          </p:nvPr>
+        </p:nvSpPr>
+        <p:spPr/>
+      </p:sp>
+      <p:sp>
+        <p:nvSpPr>
+          <p:cNvPr id="3" name="Notes Placeholder 2"/>
+          <p:cNvSpPr>
+            <a:spLocks noGrp="1"/>
+          </p:cNvSpPr>
+          <p:nvPr>
+            <p:ph type="body" idx="1"/>
+          </p:nvPr>
+        </p:nvSpPr>
+        <p:spPr/>
+        <p:txBody>
+          <a:bodyPr/>
+          <a:lstStyle/>
+          <a:p>
+            <a:r>
+              <a:rPr lang="en-US" dirty="0"/>
+              <a:t>- 4 principles that define cryptography</a:t>
+            </a:r>
+          </a:p>
+          <a:p>
+            <a:r>
+              <a:rPr lang="en-US" dirty="0"/>
+              <a:t>- As we’ll see later on, steps 2 and 3 are where quantum attacks are focused</a:t>
+            </a:r>
+          </a:p>
+        </p:txBody>
+      </p:sp>
+      <p:sp>
+        <p:nvSpPr>
+          <p:cNvPr id="4" name="Slide Number Placeholder 3"/>
+          <p:cNvSpPr>
+            <a:spLocks noGrp="1"/>
+          </p:cNvSpPr>
+          <p:nvPr>
+            <p:ph type="sldNum" sz="quarter" idx="5"/>
+          </p:nvPr>
+        </p:nvSpPr>
+        <p:spPr/>
+        <p:txBody>
+          <a:bodyPr/>
+          <a:lstStyle/>
+          <a:p>
+            <a:fld id="{FFEE457D-A6AD-45D5-A572-DEC71BC8D510}" type="slidenum">
+              <a:rPr lang="en-US" smtClean="0"/>
+              <a:t>2</a:t>
+            </a:fld>
+            <a:endParaRPr lang="en-US"/>
+          </a:p>
+        </p:txBody>
+      </p:sp>
+    </p:spTree>
+    <p:extLst>
+      <p:ext uri="{BB962C8B-B14F-4D97-AF65-F5344CB8AC3E}">
+        <p14:creationId xmlns:p14="http://schemas.microsoft.com/office/powerpoint/2010/main" val="1018608993"/>
+      </p:ext>
+    </p:extLst>
+  </p:cSld>
+  <p:clrMapOvr>
+    <a:masterClrMapping/>
+  </p:clrMapOvr>
+</p:notes>
+</file>
+
+<file path=ppt/notesSlides/notesSlide3.xml><?xml version="1.0" encoding="utf-8"?>
+<p:notes xmlns:a="http://schemas.openxmlformats.org/drawingml/2006/main" xmlns:r="http://schemas.openxmlformats.org/officeDocument/2006/relationships" xmlns:p="http://schemas.openxmlformats.org/presentationml/2006/main">
+  <p:cSld>
+    <p:spTree>
+      <p:nvGrpSpPr>
+        <p:cNvPr id="1" name=""/>
+        <p:cNvGrpSpPr/>
+        <p:nvPr/>
+      </p:nvGrpSpPr>
+      <p:grpSpPr>
+        <a:xfrm>
+          <a:off x="0" y="0"/>
+          <a:ext cx="0" cy="0"/>
+          <a:chOff x="0" y="0"/>
+          <a:chExt cx="0" cy="0"/>
+        </a:xfrm>
+      </p:grpSpPr>
+      <p:sp>
+        <p:nvSpPr>
+          <p:cNvPr id="2" name="Slide Image Placeholder 1"/>
+          <p:cNvSpPr>
+            <a:spLocks noGrp="1" noRot="1" noChangeAspect="1"/>
+          </p:cNvSpPr>
+          <p:nvPr>
+            <p:ph type="sldImg"/>
+          </p:nvPr>
+        </p:nvSpPr>
+        <p:spPr/>
+      </p:sp>
+      <p:sp>
+        <p:nvSpPr>
+          <p:cNvPr id="3" name="Notes Placeholder 2"/>
+          <p:cNvSpPr>
+            <a:spLocks noGrp="1"/>
+          </p:cNvSpPr>
+          <p:nvPr>
+            <p:ph type="body" idx="1"/>
+          </p:nvPr>
+        </p:nvSpPr>
+        <p:spPr/>
+        <p:txBody>
+          <a:bodyPr/>
+          <a:lstStyle/>
+          <a:p>
+            <a:r>
+              <a:rPr lang="en-US" dirty="0"/>
+              <a:t>- How do we evaluate a cryptosystem?</a:t>
+            </a:r>
+          </a:p>
+        </p:txBody>
+      </p:sp>
+      <p:sp>
+        <p:nvSpPr>
+          <p:cNvPr id="4" name="Slide Number Placeholder 3"/>
+          <p:cNvSpPr>
+            <a:spLocks noGrp="1"/>
+          </p:cNvSpPr>
+          <p:nvPr>
+            <p:ph type="sldNum" sz="quarter" idx="5"/>
+          </p:nvPr>
+        </p:nvSpPr>
+        <p:spPr/>
+        <p:txBody>
+          <a:bodyPr/>
+          <a:lstStyle/>
+          <a:p>
+            <a:fld id="{FFEE457D-A6AD-45D5-A572-DEC71BC8D510}" type="slidenum">
+              <a:rPr lang="en-US" smtClean="0"/>
+              <a:t>3</a:t>
+            </a:fld>
+            <a:endParaRPr lang="en-US"/>
+          </a:p>
+        </p:txBody>
+      </p:sp>
+    </p:spTree>
+    <p:extLst>
+      <p:ext uri="{BB962C8B-B14F-4D97-AF65-F5344CB8AC3E}">
+        <p14:creationId xmlns:p14="http://schemas.microsoft.com/office/powerpoint/2010/main" val="2550143168"/>
+      </p:ext>
+    </p:extLst>
+  </p:cSld>
+  <p:clrMapOvr>
+    <a:masterClrMapping/>
+  </p:clrMapOvr>
+</p:notes>
+</file>
+
+<file path=ppt/notesSlides/notesSlide4.xml><?xml version="1.0" encoding="utf-8"?>
+<p:notes xmlns:a="http://schemas.openxmlformats.org/drawingml/2006/main" xmlns:r="http://schemas.openxmlformats.org/officeDocument/2006/relationships" xmlns:p="http://schemas.openxmlformats.org/presentationml/2006/main">
+  <p:cSld>
+    <p:spTree>
+      <p:nvGrpSpPr>
+        <p:cNvPr id="1" name=""/>
+        <p:cNvGrpSpPr/>
+        <p:nvPr/>
+      </p:nvGrpSpPr>
+      <p:grpSpPr>
+        <a:xfrm>
+          <a:off x="0" y="0"/>
+          <a:ext cx="0" cy="0"/>
+          <a:chOff x="0" y="0"/>
+          <a:chExt cx="0" cy="0"/>
+        </a:xfrm>
+      </p:grpSpPr>
+      <p:sp>
+        <p:nvSpPr>
+          <p:cNvPr id="2" name="Slide Image Placeholder 1"/>
+          <p:cNvSpPr>
+            <a:spLocks noGrp="1" noRot="1" noChangeAspect="1"/>
+          </p:cNvSpPr>
+          <p:nvPr>
+            <p:ph type="sldImg"/>
+          </p:nvPr>
+        </p:nvSpPr>
+        <p:spPr/>
+      </p:sp>
+      <p:sp>
+        <p:nvSpPr>
+          <p:cNvPr id="3" name="Notes Placeholder 2"/>
+          <p:cNvSpPr>
+            <a:spLocks noGrp="1"/>
+          </p:cNvSpPr>
+          <p:nvPr>
+            <p:ph type="body" idx="1"/>
+          </p:nvPr>
+        </p:nvSpPr>
+        <p:spPr/>
+        <p:txBody>
+          <a:bodyPr/>
+          <a:lstStyle/>
+          <a:p>
+            <a:pPr marL="171450" indent="-171450">
+              <a:buFontTx/>
+              <a:buChar char="-"/>
+            </a:pPr>
+            <a:r>
+              <a:rPr lang="en-US" dirty="0"/>
+              <a:t>As a public key cryptosystem, RSA generates both a public and secret key</a:t>
+            </a:r>
+          </a:p>
+          <a:p>
+            <a:pPr marL="171450" indent="-171450">
+              <a:buFontTx/>
+              <a:buChar char="-"/>
+            </a:pPr>
+            <a:r>
+              <a:rPr lang="en-US" dirty="0"/>
+              <a:t>We can encrypt using either the public or the secret key. If you use public to encrypt, then use secret to decrypt</a:t>
+            </a:r>
+          </a:p>
+        </p:txBody>
+      </p:sp>
+      <p:sp>
+        <p:nvSpPr>
+          <p:cNvPr id="4" name="Slide Number Placeholder 3"/>
+          <p:cNvSpPr>
+            <a:spLocks noGrp="1"/>
+          </p:cNvSpPr>
+          <p:nvPr>
+            <p:ph type="sldNum" sz="quarter" idx="5"/>
+          </p:nvPr>
+        </p:nvSpPr>
+        <p:spPr/>
+        <p:txBody>
+          <a:bodyPr/>
+          <a:lstStyle/>
+          <a:p>
+            <a:fld id="{FFEE457D-A6AD-45D5-A572-DEC71BC8D510}" type="slidenum">
+              <a:rPr lang="en-US" smtClean="0"/>
+              <a:t>4</a:t>
+            </a:fld>
+            <a:endParaRPr lang="en-US"/>
+          </a:p>
+        </p:txBody>
+      </p:sp>
+    </p:spTree>
+    <p:extLst>
+      <p:ext uri="{BB962C8B-B14F-4D97-AF65-F5344CB8AC3E}">
+        <p14:creationId xmlns:p14="http://schemas.microsoft.com/office/powerpoint/2010/main" val="979884714"/>
+      </p:ext>
+    </p:extLst>
+  </p:cSld>
+  <p:clrMapOvr>
+    <a:masterClrMapping/>
+  </p:clrMapOvr>
+</p:notes>
+</file>
+
 <file path=ppt/slideLayouts/slideLayout1.xml><?xml version="1.0" encoding="utf-8"?>
 <p:sldLayout xmlns:a="http://schemas.openxmlformats.org/drawingml/2006/main" xmlns:r="http://schemas.openxmlformats.org/officeDocument/2006/relationships" xmlns:p="http://schemas.openxmlformats.org/presentationml/2006/main" type="title" preserve="1">
   <p:cSld name="Title Slide">
@@ -9192,7 +9946,7 @@
                   <pslz:sldZmObj sldId="256" cId="1365298897">
                     <pslz:zmPr id="{DFD4F474-5D3E-4D89-A106-D61AC2F85376}" returnToParent="0" transitionDur="1000">
                       <p166:blipFill xmlns:p166="http://schemas.microsoft.com/office/powerpoint/2016/6/main">
-                        <a:blip r:embed="rId2"/>
+                        <a:blip r:embed="rId3"/>
                         <a:stretch>
                           <a:fillRect/>
                         </a:stretch>
@@ -9222,7 +9976,7 @@
           <p:pic>
             <p:nvPicPr>
               <p:cNvPr id="5" name="Slide Zoom 4">
-                <a:hlinkClick r:id="rId3" action="ppaction://hlinksldjump"/>
+                <a:hlinkClick r:id="rId4" action="ppaction://hlinksldjump"/>
                 <a:extLst>
                   <a:ext uri="{FF2B5EF4-FFF2-40B4-BE49-F238E27FC236}">
                     <a16:creationId xmlns:a16="http://schemas.microsoft.com/office/drawing/2014/main" id="{85499B43-B4C8-425C-B069-1133A3837C6E}"/>
@@ -9235,7 +9989,7 @@
               <p:nvPr/>
             </p:nvPicPr>
             <p:blipFill>
-              <a:blip r:embed="rId4"/>
+              <a:blip r:embed="rId5"/>
               <a:stretch>
                 <a:fillRect/>
               </a:stretch>
@@ -9360,13 +10114,13 @@
           <a:lstStyle/>
           <a:p>
             <a:r>
-              <a:rPr lang="en-US" dirty="0"/>
-              <a:t>ASCII values range from 0-256</a:t>
-            </a:r>
-          </a:p>
-          <a:p>
-            <a:r>
-              <a:rPr lang="en-US" dirty="0"/>
+              <a:rPr lang="en-US" sz="2400" dirty="0"/>
+              <a:t>ASCII values range from 0 to 256</a:t>
+            </a:r>
+          </a:p>
+          <a:p>
+            <a:r>
+              <a:rPr lang="en-US" sz="2400" dirty="0"/>
               <a:t>Encrypted ASCII values will be MUCH bigger, so we need to encode them as evenly sized words</a:t>
             </a:r>
           </a:p>
@@ -9528,79 +10282,79 @@
         </p:spPr>
         <p:txBody>
           <a:bodyPr>
-            <a:normAutofit/>
+            <a:normAutofit lnSpcReduction="10000"/>
           </a:bodyPr>
           <a:lstStyle/>
           <a:p>
             <a:r>
-              <a:rPr lang="en-US" dirty="0"/>
+              <a:rPr lang="en-US" sz="2400" dirty="0"/>
               <a:t>1. Pick two primes as inputs to the key generation</a:t>
             </a:r>
           </a:p>
           <a:p>
             <a:r>
-              <a:rPr lang="en-US" dirty="0"/>
+              <a:rPr lang="en-US" sz="2400" dirty="0"/>
               <a:t>2. Key generation verifies, then performs the RSA keygen algorithm to find a P, S, and N such that</a:t>
             </a:r>
           </a:p>
           <a:p>
             <a:pPr lvl="1"/>
             <a:r>
-              <a:rPr lang="en-US" dirty="0"/>
+              <a:rPr lang="en-US" sz="2000" dirty="0"/>
               <a:t>FP(</a:t>
             </a:r>
             <a:r>
-              <a:rPr lang="en-US" dirty="0" err="1"/>
+              <a:rPr lang="en-US" sz="2000" dirty="0" err="1"/>
               <a:t>x,n</a:t>
             </a:r>
             <a:r>
-              <a:rPr lang="en-US" dirty="0"/>
+              <a:rPr lang="en-US" sz="2000" dirty="0"/>
               <a:t>) = </a:t>
             </a:r>
             <a:r>
-              <a:rPr lang="en-US" dirty="0" err="1"/>
+              <a:rPr lang="en-US" sz="2000" dirty="0" err="1"/>
               <a:t>x^P</a:t>
             </a:r>
             <a:r>
-              <a:rPr lang="en-US" dirty="0"/>
-              <a:t> % n</a:t>
+              <a:rPr lang="en-US" sz="2000" dirty="0"/>
+              <a:t> mod n</a:t>
             </a:r>
           </a:p>
           <a:p>
             <a:pPr lvl="1"/>
             <a:r>
-              <a:rPr lang="en-US" dirty="0"/>
+              <a:rPr lang="en-US" sz="2000" dirty="0"/>
               <a:t>FS(</a:t>
             </a:r>
             <a:r>
-              <a:rPr lang="en-US" dirty="0" err="1"/>
+              <a:rPr lang="en-US" sz="2000" dirty="0" err="1"/>
               <a:t>x,n</a:t>
             </a:r>
             <a:r>
-              <a:rPr lang="en-US" dirty="0"/>
+              <a:rPr lang="en-US" sz="2000" dirty="0"/>
               <a:t>) = </a:t>
             </a:r>
             <a:r>
-              <a:rPr lang="en-US" dirty="0" err="1"/>
+              <a:rPr lang="en-US" sz="2000" dirty="0" err="1"/>
               <a:t>x^S</a:t>
             </a:r>
             <a:r>
-              <a:rPr lang="en-US" dirty="0"/>
-              <a:t> % n</a:t>
+              <a:rPr lang="en-US" sz="2000" dirty="0"/>
+              <a:t> mod n</a:t>
             </a:r>
           </a:p>
           <a:p>
             <a:pPr lvl="1"/>
             <a:r>
-              <a:rPr lang="en-US" dirty="0"/>
+              <a:rPr lang="en-US" sz="2000" dirty="0"/>
               <a:t>FP( FS(</a:t>
             </a:r>
             <a:r>
-              <a:rPr lang="en-US" dirty="0" err="1"/>
+              <a:rPr lang="en-US" sz="2000" dirty="0" err="1"/>
               <a:t>x,n</a:t>
             </a:r>
             <a:r>
-              <a:rPr lang="en-US" dirty="0"/>
+              <a:rPr lang="en-US" sz="2000" dirty="0"/>
               <a:t>), n) = x</a:t>
             </a:r>
           </a:p>
@@ -9767,13 +10521,13 @@
           <a:lstStyle/>
           <a:p>
             <a:r>
-              <a:rPr lang="en-US" dirty="0"/>
+              <a:rPr lang="en-US" sz="2400" dirty="0"/>
               <a:t>By opening the key files, we can see the current values of the public and secret keys</a:t>
             </a:r>
           </a:p>
           <a:p>
             <a:r>
-              <a:rPr lang="en-US" dirty="0"/>
+              <a:rPr lang="en-US" sz="2400" dirty="0"/>
               <a:t>Both the public key and the secret key save the same value of n</a:t>
             </a:r>
           </a:p>
@@ -9936,38 +10690,38 @@
         </p:spPr>
         <p:txBody>
           <a:bodyPr>
-            <a:normAutofit/>
+            <a:normAutofit fontScale="92500" lnSpcReduction="10000"/>
           </a:bodyPr>
           <a:lstStyle/>
           <a:p>
             <a:r>
-              <a:rPr lang="en-US" dirty="0"/>
+              <a:rPr lang="en-US" sz="2400" dirty="0"/>
               <a:t>The first block shows the contents of the sample file</a:t>
             </a:r>
           </a:p>
           <a:p>
             <a:r>
-              <a:rPr lang="en-US" dirty="0"/>
+              <a:rPr lang="en-US" sz="2400" dirty="0"/>
               <a:t>The second shows the encrypted version</a:t>
             </a:r>
           </a:p>
           <a:p>
             <a:r>
-              <a:rPr lang="en-US" dirty="0"/>
+              <a:rPr lang="en-US" sz="2400" dirty="0"/>
               <a:t>Results are much larger than the original</a:t>
             </a:r>
           </a:p>
           <a:p>
             <a:pPr lvl="1"/>
             <a:r>
-              <a:rPr lang="en-US" dirty="0"/>
+              <a:rPr lang="en-US" sz="2000" dirty="0"/>
               <a:t>Text must be converted to ASCII (0-255)</a:t>
             </a:r>
           </a:p>
           <a:p>
             <a:pPr lvl="1"/>
             <a:r>
-              <a:rPr lang="en-US" dirty="0"/>
+              <a:rPr lang="en-US" sz="2000" dirty="0"/>
               <a:t>Encrypted ASCII is well outside the range</a:t>
             </a:r>
           </a:p>
@@ -10134,7 +10888,7 @@
           <a:lstStyle/>
           <a:p>
             <a:r>
-              <a:rPr lang="en-US" dirty="0"/>
+              <a:rPr lang="en-US" sz="2400" dirty="0"/>
               <a:t>Regardless of how garbled the resulting encrypted file is, decrypting yields the original text</a:t>
             </a:r>
           </a:p>
@@ -10233,7 +10987,7 @@
           <p:cNvPr id="2" name="Title 1">
             <a:extLst>
               <a:ext uri="{FF2B5EF4-FFF2-40B4-BE49-F238E27FC236}">
-                <a16:creationId xmlns:a16="http://schemas.microsoft.com/office/drawing/2014/main" id="{4A9BD335-ECA3-49DD-B84F-2D6EAEDB2F6D}"/>
+                <a16:creationId xmlns:a16="http://schemas.microsoft.com/office/drawing/2014/main" id="{2C29B850-EA84-4F5F-8725-E6D2FAFFEDF8}"/>
               </a:ext>
             </a:extLst>
           </p:cNvPr>
@@ -10250,10 +11004,9 @@
           <a:lstStyle/>
           <a:p>
             <a:r>
-              <a:rPr lang="en-US"/>
-              <a:t>Rsa as a public key cryptosystem</a:t>
-            </a:r>
-            <a:endParaRPr lang="en-US" dirty="0"/>
+              <a:rPr lang="en-US" dirty="0"/>
+              <a:t>Principles for cryptosystems</a:t>
+            </a:r>
           </a:p>
         </p:txBody>
       </p:sp>
@@ -10262,7 +11015,7 @@
           <p:cNvPr id="3" name="Content Placeholder 2">
             <a:extLst>
               <a:ext uri="{FF2B5EF4-FFF2-40B4-BE49-F238E27FC236}">
-                <a16:creationId xmlns:a16="http://schemas.microsoft.com/office/drawing/2014/main" id="{835757F0-7142-41CD-B288-423033E10797}"/>
+                <a16:creationId xmlns:a16="http://schemas.microsoft.com/office/drawing/2014/main" id="{5460075B-6411-4D06-BA43-D2A59BC8C101}"/>
               </a:ext>
             </a:extLst>
           </p:cNvPr>
@@ -10276,55 +11029,71 @@
         <p:spPr/>
         <p:txBody>
           <a:bodyPr>
-            <a:normAutofit/>
+            <a:normAutofit fontScale="85000" lnSpcReduction="20000"/>
           </a:bodyPr>
           <a:lstStyle/>
           <a:p>
+            <a:pPr marL="342900" indent="-342900">
+              <a:buAutoNum type="arabicPeriod"/>
+            </a:pPr>
             <a:r>
               <a:rPr lang="en-US" sz="2800" dirty="0"/>
-              <a:t>Inputs: 2 prime numbers</a:t>
-            </a:r>
-          </a:p>
-          <a:p>
+              <a:t>Encryption</a:t>
+            </a:r>
+          </a:p>
+          <a:p>
+            <a:pPr lvl="1"/>
+            <a:r>
+              <a:rPr lang="en-US" sz="2400" dirty="0"/>
+              <a:t>An encrypted body of text needs to be different from the original text</a:t>
+            </a:r>
+          </a:p>
+          <a:p>
+            <a:pPr marL="342900" indent="-342900">
+              <a:buAutoNum type="arabicPeriod"/>
+            </a:pPr>
             <a:r>
               <a:rPr lang="en-US" sz="2800" dirty="0"/>
-              <a:t>Outputs: public key P, secret key S, mod value n</a:t>
-            </a:r>
-          </a:p>
-          <a:p>
+              <a:t>Authentication</a:t>
+            </a:r>
+          </a:p>
+          <a:p>
+            <a:pPr lvl="1"/>
+            <a:r>
+              <a:rPr lang="en-US" sz="2400" dirty="0"/>
+              <a:t>Authorship of a body of text must be provable</a:t>
+            </a:r>
+          </a:p>
+          <a:p>
+            <a:pPr marL="342900" indent="-342900">
+              <a:buAutoNum type="arabicPeriod"/>
+            </a:pPr>
             <a:r>
               <a:rPr lang="en-US" sz="2800" dirty="0"/>
-              <a:t>Usage:</a:t>
+              <a:t>Integrity</a:t>
             </a:r>
           </a:p>
           <a:p>
             <a:pPr lvl="1"/>
             <a:r>
-              <a:rPr lang="en-US" sz="2400" dirty="0"/>
-              <a:t>Encrypt: y = </a:t>
-            </a:r>
-            <a:r>
-              <a:rPr lang="en-US" sz="2400" dirty="0" err="1"/>
-              <a:t>x^P</a:t>
-            </a:r>
-            <a:r>
-              <a:rPr lang="en-US" sz="2400" dirty="0"/>
-              <a:t> mod n</a:t>
+              <a:rPr lang="en-US" sz="2600" dirty="0"/>
+              <a:t>Given the correct information, the original text must be recoverable and unaltered</a:t>
+            </a:r>
+          </a:p>
+          <a:p>
+            <a:pPr marL="342900" indent="-342900">
+              <a:buAutoNum type="arabicPeriod"/>
+            </a:pPr>
+            <a:r>
+              <a:rPr lang="en-US" sz="2800" dirty="0"/>
+              <a:t>Non-Repudiation</a:t>
             </a:r>
           </a:p>
           <a:p>
             <a:pPr lvl="1"/>
             <a:r>
-              <a:rPr lang="en-US" sz="2400" dirty="0"/>
-              <a:t>Decrypt: x = </a:t>
-            </a:r>
-            <a:r>
-              <a:rPr lang="en-US" sz="2400" dirty="0" err="1"/>
-              <a:t>y^S</a:t>
-            </a:r>
-            <a:r>
-              <a:rPr lang="en-US" sz="2400" dirty="0"/>
-              <a:t> mod n</a:t>
+              <a:rPr lang="en-US" sz="2600" dirty="0"/>
+              <a:t>Authenticity must not be deniable</a:t>
             </a:r>
           </a:p>
         </p:txBody>
@@ -10332,7 +11101,7 @@
     </p:spTree>
     <p:extLst>
       <p:ext uri="{BB962C8B-B14F-4D97-AF65-F5344CB8AC3E}">
-        <p14:creationId xmlns:p14="http://schemas.microsoft.com/office/powerpoint/2010/main" val="3656684458"/>
+        <p14:creationId xmlns:p14="http://schemas.microsoft.com/office/powerpoint/2010/main" val="3228657778"/>
       </p:ext>
     </p:extLst>
   </p:cSld>
@@ -10348,7 +11117,7 @@
     <p:bg>
       <p:bgPr>
         <a:blipFill>
-          <a:blip r:embed="rId2"/>
+          <a:blip r:embed="rId3"/>
           <a:stretch/>
         </a:blipFill>
         <a:effectLst/>
@@ -10368,86 +11137,26 @@
           <a:chExt cx="0" cy="0"/>
         </a:xfrm>
       </p:grpSpPr>
-      <p:sp useBgFill="1">
-        <p:nvSpPr>
-          <p:cNvPr id="8" name="Rectangle 7">
+      <p:sp>
+        <p:nvSpPr>
+          <p:cNvPr id="2" name="Title 1">
             <a:extLst>
               <a:ext uri="{FF2B5EF4-FFF2-40B4-BE49-F238E27FC236}">
-                <a16:creationId xmlns:a16="http://schemas.microsoft.com/office/drawing/2014/main" id="{50E53EDA-3B94-4F6B-9E86-D3BB9EBB9616}"/>
-              </a:ext>
-              <a:ext uri="{C183D7F6-B498-43B3-948B-1728B52AA6E4}">
-                <adec:decorative xmlns:adec="http://schemas.microsoft.com/office/drawing/2017/decorative" val="1"/>
+                <a16:creationId xmlns:a16="http://schemas.microsoft.com/office/drawing/2014/main" id="{7BE6EAB2-457C-4D2F-AB58-9D50B371AD36}"/>
               </a:ext>
             </a:extLst>
           </p:cNvPr>
           <p:cNvSpPr>
-            <a:spLocks noGrp="1" noRot="1" noChangeAspect="1" noMove="1" noResize="1" noEditPoints="1" noAdjustHandles="1" noChangeArrowheads="1" noChangeShapeType="1" noTextEdit="1"/>
-          </p:cNvSpPr>
-          <p:nvPr>
-            <p:extLst>
-              <p:ext uri="{386F3935-93C4-4BCD-93E2-E3B085C9AB24}">
-                <p16:designElem xmlns:p16="http://schemas.microsoft.com/office/powerpoint/2015/main" val="1"/>
-              </p:ext>
-            </p:extLst>
+            <a:spLocks noGrp="1"/>
+          </p:cNvSpPr>
+          <p:nvPr>
+            <p:ph type="title"/>
           </p:nvPr>
         </p:nvSpPr>
         <p:spPr>
           <a:xfrm>
-            <a:off x="0" y="0"/>
-            <a:ext cx="12192000" cy="6858000"/>
-          </a:xfrm>
-          <a:prstGeom prst="rect">
-            <a:avLst/>
-          </a:prstGeom>
-          <a:ln>
-            <a:noFill/>
-          </a:ln>
-        </p:spPr>
-        <p:style>
-          <a:lnRef idx="2">
-            <a:schemeClr val="accent1">
-              <a:shade val="50000"/>
-            </a:schemeClr>
-          </a:lnRef>
-          <a:fillRef idx="1">
-            <a:schemeClr val="accent1"/>
-          </a:fillRef>
-          <a:effectRef idx="0">
-            <a:schemeClr val="accent1"/>
-          </a:effectRef>
-          <a:fontRef idx="minor">
-            <a:schemeClr val="lt1"/>
-          </a:fontRef>
-        </p:style>
-        <p:txBody>
-          <a:bodyPr rtlCol="0" anchor="ctr"/>
-          <a:lstStyle/>
-          <a:p>
-            <a:pPr algn="ctr"/>
-            <a:endParaRPr lang="en-US"/>
-          </a:p>
-        </p:txBody>
-      </p:sp>
-      <p:sp>
-        <p:nvSpPr>
-          <p:cNvPr id="2" name="Title 1">
-            <a:extLst>
-              <a:ext uri="{FF2B5EF4-FFF2-40B4-BE49-F238E27FC236}">
-                <a16:creationId xmlns:a16="http://schemas.microsoft.com/office/drawing/2014/main" id="{30A67338-C088-4AEB-B37A-4E5E5F77E25B}"/>
-              </a:ext>
-            </a:extLst>
-          </p:cNvPr>
-          <p:cNvSpPr>
-            <a:spLocks noGrp="1"/>
-          </p:cNvSpPr>
-          <p:nvPr>
-            <p:ph type="title"/>
-          </p:nvPr>
-        </p:nvSpPr>
-        <p:spPr>
-          <a:xfrm>
-            <a:off x="685799" y="1150076"/>
-            <a:ext cx="3659389" cy="4557849"/>
+            <a:off x="685801" y="609600"/>
+            <a:ext cx="10131425" cy="1456267"/>
           </a:xfrm>
         </p:spPr>
         <p:txBody>
@@ -10456,114 +11165,48 @@
           </a:bodyPr>
           <a:lstStyle/>
           <a:p>
-            <a:pPr algn="r"/>
             <a:r>
               <a:rPr lang="en-US" dirty="0"/>
-              <a:t>Why Prime number inputs</a:t>
-            </a:r>
-            <a:endParaRPr lang="en-US"/>
-          </a:p>
-        </p:txBody>
-      </p:sp>
-      <p:cxnSp>
-        <p:nvCxnSpPr>
-          <p:cNvPr id="10" name="Straight Connector 9">
+              <a:t>Evaluation of Cryptosystems</a:t>
+            </a:r>
+          </a:p>
+        </p:txBody>
+      </p:sp>
+      <p:graphicFrame>
+        <p:nvGraphicFramePr>
+          <p:cNvPr id="5" name="Content Placeholder 2">
             <a:extLst>
               <a:ext uri="{FF2B5EF4-FFF2-40B4-BE49-F238E27FC236}">
-                <a16:creationId xmlns:a16="http://schemas.microsoft.com/office/drawing/2014/main" id="{30EFD79F-7790-479B-B7DB-BD0D8C101DDD}"/>
-              </a:ext>
-              <a:ext uri="{C183D7F6-B498-43B3-948B-1728B52AA6E4}">
-                <adec:decorative xmlns:adec="http://schemas.microsoft.com/office/drawing/2017/decorative" val="1"/>
+                <a16:creationId xmlns:a16="http://schemas.microsoft.com/office/drawing/2014/main" id="{A4C787D5-0A08-4867-AD5D-48F367E27B0B}"/>
               </a:ext>
             </a:extLst>
           </p:cNvPr>
-          <p:cNvCxnSpPr>
-            <a:cxnSpLocks noGrp="1" noRot="1" noChangeAspect="1" noMove="1" noResize="1" noEditPoints="1" noAdjustHandles="1" noChangeArrowheads="1" noChangeShapeType="1"/>
-          </p:cNvCxnSpPr>
-          <p:nvPr>
+          <p:cNvGraphicFramePr>
+            <a:graphicFrameLocks noGrp="1"/>
+          </p:cNvGraphicFramePr>
+          <p:nvPr>
+            <p:ph idx="1"/>
             <p:extLst>
-              <p:ext uri="{386F3935-93C4-4BCD-93E2-E3B085C9AB24}">
-                <p16:designElem xmlns:p16="http://schemas.microsoft.com/office/powerpoint/2015/main" val="1"/>
+              <p:ext uri="{D42A27DB-BD31-4B8C-83A1-F6EECF244321}">
+                <p14:modId xmlns:p14="http://schemas.microsoft.com/office/powerpoint/2010/main" val="1264379979"/>
               </p:ext>
             </p:extLst>
           </p:nvPr>
-        </p:nvCxnSpPr>
-        <p:spPr>
-          <a:xfrm>
-            <a:off x="4666923" y="1668780"/>
-            <a:ext cx="0" cy="3520440"/>
-          </a:xfrm>
-          <a:prstGeom prst="line">
-            <a:avLst/>
-          </a:prstGeom>
-          <a:ln w="19050"/>
-        </p:spPr>
-        <p:style>
-          <a:lnRef idx="1">
-            <a:schemeClr val="accent1"/>
-          </a:lnRef>
-          <a:fillRef idx="0">
-            <a:schemeClr val="accent1"/>
-          </a:fillRef>
-          <a:effectRef idx="0">
-            <a:schemeClr val="accent1"/>
-          </a:effectRef>
-          <a:fontRef idx="minor">
-            <a:schemeClr val="tx1"/>
-          </a:fontRef>
-        </p:style>
-      </p:cxnSp>
-      <p:sp>
-        <p:nvSpPr>
-          <p:cNvPr id="3" name="Content Placeholder 2">
-            <a:extLst>
-              <a:ext uri="{FF2B5EF4-FFF2-40B4-BE49-F238E27FC236}">
-                <a16:creationId xmlns:a16="http://schemas.microsoft.com/office/drawing/2014/main" id="{12E55623-E9B8-4790-9389-22575E5CCD13}"/>
-              </a:ext>
-            </a:extLst>
-          </p:cNvPr>
-          <p:cNvSpPr>
-            <a:spLocks noGrp="1"/>
-          </p:cNvSpPr>
-          <p:nvPr>
-            <p:ph idx="1"/>
-          </p:nvPr>
-        </p:nvSpPr>
-        <p:spPr>
-          <a:xfrm>
-            <a:off x="4988658" y="1150076"/>
-            <a:ext cx="6517543" cy="4557849"/>
-          </a:xfrm>
-        </p:spPr>
-        <p:txBody>
-          <a:bodyPr>
-            <a:normAutofit/>
-          </a:bodyPr>
-          <a:lstStyle/>
-          <a:p>
-            <a:r>
-              <a:rPr lang="en-US"/>
-              <a:t>Mod value n is composed of p and q</a:t>
-            </a:r>
-          </a:p>
-          <a:p>
-            <a:r>
-              <a:rPr lang="en-US"/>
-              <a:t>Integer factorization is very slow</a:t>
-            </a:r>
-          </a:p>
-          <a:p>
-            <a:r>
-              <a:rPr lang="en-US"/>
-              <a:t>For sufficiently large p and q, the time required is exponentially large</a:t>
-            </a:r>
-          </a:p>
-        </p:txBody>
-      </p:sp>
+        </p:nvGraphicFramePr>
+        <p:xfrm>
+          <a:off x="685800" y="2406400"/>
+          <a:ext cx="10131425" cy="3384799"/>
+        </p:xfrm>
+        <a:graphic>
+          <a:graphicData uri="http://schemas.openxmlformats.org/drawingml/2006/diagram">
+            <dgm:relIds xmlns:dgm="http://schemas.openxmlformats.org/drawingml/2006/diagram" xmlns:r="http://schemas.openxmlformats.org/officeDocument/2006/relationships" r:dm="rId4" r:lo="rId5" r:qs="rId6" r:cs="rId7"/>
+          </a:graphicData>
+        </a:graphic>
+      </p:graphicFrame>
     </p:spTree>
     <p:extLst>
       <p:ext uri="{BB962C8B-B14F-4D97-AF65-F5344CB8AC3E}">
-        <p14:creationId xmlns:p14="http://schemas.microsoft.com/office/powerpoint/2010/main" val="3518047889"/>
+        <p14:creationId xmlns:p14="http://schemas.microsoft.com/office/powerpoint/2010/main" val="2816452491"/>
       </p:ext>
     </p:extLst>
   </p:cSld>
@@ -10595,7 +11238,7 @@
           <p:cNvPr id="2" name="Title 1">
             <a:extLst>
               <a:ext uri="{FF2B5EF4-FFF2-40B4-BE49-F238E27FC236}">
-                <a16:creationId xmlns:a16="http://schemas.microsoft.com/office/drawing/2014/main" id="{2C29B850-EA84-4F5F-8725-E6D2FAFFEDF8}"/>
+                <a16:creationId xmlns:a16="http://schemas.microsoft.com/office/drawing/2014/main" id="{4A9BD335-ECA3-49DD-B84F-2D6EAEDB2F6D}"/>
               </a:ext>
             </a:extLst>
           </p:cNvPr>
@@ -10612,9 +11255,10 @@
           <a:lstStyle/>
           <a:p>
             <a:r>
-              <a:rPr lang="en-US" dirty="0"/>
-              <a:t>Principles for cryptosystems</a:t>
-            </a:r>
+              <a:rPr lang="en-US"/>
+              <a:t>Rsa as a public key cryptosystem</a:t>
+            </a:r>
+            <a:endParaRPr lang="en-US" dirty="0"/>
           </a:p>
         </p:txBody>
       </p:sp>
@@ -10623,7 +11267,7 @@
           <p:cNvPr id="3" name="Content Placeholder 2">
             <a:extLst>
               <a:ext uri="{FF2B5EF4-FFF2-40B4-BE49-F238E27FC236}">
-                <a16:creationId xmlns:a16="http://schemas.microsoft.com/office/drawing/2014/main" id="{5460075B-6411-4D06-BA43-D2A59BC8C101}"/>
+                <a16:creationId xmlns:a16="http://schemas.microsoft.com/office/drawing/2014/main" id="{835757F0-7142-41CD-B288-423033E10797}"/>
               </a:ext>
             </a:extLst>
           </p:cNvPr>
@@ -10637,71 +11281,55 @@
         <p:spPr/>
         <p:txBody>
           <a:bodyPr>
-            <a:normAutofit fontScale="85000" lnSpcReduction="20000"/>
+            <a:normAutofit/>
           </a:bodyPr>
           <a:lstStyle/>
           <a:p>
-            <a:pPr marL="342900" indent="-342900">
-              <a:buAutoNum type="arabicPeriod"/>
-            </a:pPr>
             <a:r>
               <a:rPr lang="en-US" sz="2800" dirty="0"/>
-              <a:t>Encryption</a:t>
+              <a:t>Inputs: 2 prime numbers</a:t>
+            </a:r>
+          </a:p>
+          <a:p>
+            <a:r>
+              <a:rPr lang="en-US" sz="2800" dirty="0"/>
+              <a:t>Outputs: public key P, secret key S, mod value n</a:t>
+            </a:r>
+          </a:p>
+          <a:p>
+            <a:r>
+              <a:rPr lang="en-US" sz="2800" dirty="0"/>
+              <a:t>Usage:</a:t>
             </a:r>
           </a:p>
           <a:p>
             <a:pPr lvl="1"/>
             <a:r>
               <a:rPr lang="en-US" sz="2400" dirty="0"/>
-              <a:t>An encrypted body of text needs to be different from the original text</a:t>
-            </a:r>
-          </a:p>
-          <a:p>
-            <a:pPr marL="342900" indent="-342900">
-              <a:buAutoNum type="arabicPeriod"/>
-            </a:pPr>
-            <a:r>
-              <a:rPr lang="en-US" sz="2800" dirty="0"/>
-              <a:t>Authentication</a:t>
+              <a:t>Encrypt: y = </a:t>
+            </a:r>
+            <a:r>
+              <a:rPr lang="en-US" sz="2400" dirty="0" err="1"/>
+              <a:t>x^P</a:t>
+            </a:r>
+            <a:r>
+              <a:rPr lang="en-US" sz="2400" dirty="0"/>
+              <a:t> mod n</a:t>
             </a:r>
           </a:p>
           <a:p>
             <a:pPr lvl="1"/>
             <a:r>
               <a:rPr lang="en-US" sz="2400" dirty="0"/>
-              <a:t>Authorship of a body of text must be provable</a:t>
-            </a:r>
-          </a:p>
-          <a:p>
-            <a:pPr marL="342900" indent="-342900">
-              <a:buAutoNum type="arabicPeriod"/>
-            </a:pPr>
-            <a:r>
-              <a:rPr lang="en-US" sz="2800" dirty="0"/>
-              <a:t>Integrity</a:t>
-            </a:r>
-          </a:p>
-          <a:p>
-            <a:pPr lvl="1"/>
-            <a:r>
-              <a:rPr lang="en-US" sz="2600" dirty="0"/>
-              <a:t>Given the correct information, the original text must be recoverable and unaltered</a:t>
-            </a:r>
-          </a:p>
-          <a:p>
-            <a:pPr marL="342900" indent="-342900">
-              <a:buAutoNum type="arabicPeriod"/>
-            </a:pPr>
-            <a:r>
-              <a:rPr lang="en-US" sz="2800" dirty="0"/>
-              <a:t>Non-Repudiation</a:t>
-            </a:r>
-          </a:p>
-          <a:p>
-            <a:pPr lvl="1"/>
-            <a:r>
-              <a:rPr lang="en-US" sz="2600" dirty="0"/>
-              <a:t>Authenticity must not be deniable</a:t>
+              <a:t>Decrypt: x = </a:t>
+            </a:r>
+            <a:r>
+              <a:rPr lang="en-US" sz="2400" dirty="0" err="1"/>
+              <a:t>y^S</a:t>
+            </a:r>
+            <a:r>
+              <a:rPr lang="en-US" sz="2400" dirty="0"/>
+              <a:t> mod n</a:t>
             </a:r>
           </a:p>
         </p:txBody>
@@ -10709,7 +11337,7 @@
     </p:spTree>
     <p:extLst>
       <p:ext uri="{BB962C8B-B14F-4D97-AF65-F5344CB8AC3E}">
-        <p14:creationId xmlns:p14="http://schemas.microsoft.com/office/powerpoint/2010/main" val="3228657778"/>
+        <p14:creationId xmlns:p14="http://schemas.microsoft.com/office/powerpoint/2010/main" val="3656684458"/>
       </p:ext>
     </p:extLst>
   </p:cSld>
@@ -10745,12 +11373,72 @@
           <a:chExt cx="0" cy="0"/>
         </a:xfrm>
       </p:grpSpPr>
+      <p:sp useBgFill="1">
+        <p:nvSpPr>
+          <p:cNvPr id="8" name="Rectangle 7">
+            <a:extLst>
+              <a:ext uri="{FF2B5EF4-FFF2-40B4-BE49-F238E27FC236}">
+                <a16:creationId xmlns:a16="http://schemas.microsoft.com/office/drawing/2014/main" id="{50E53EDA-3B94-4F6B-9E86-D3BB9EBB9616}"/>
+              </a:ext>
+              <a:ext uri="{C183D7F6-B498-43B3-948B-1728B52AA6E4}">
+                <adec:decorative xmlns:adec="http://schemas.microsoft.com/office/drawing/2017/decorative" val="1"/>
+              </a:ext>
+            </a:extLst>
+          </p:cNvPr>
+          <p:cNvSpPr>
+            <a:spLocks noGrp="1" noRot="1" noChangeAspect="1" noMove="1" noResize="1" noEditPoints="1" noAdjustHandles="1" noChangeArrowheads="1" noChangeShapeType="1" noTextEdit="1"/>
+          </p:cNvSpPr>
+          <p:nvPr>
+            <p:extLst>
+              <p:ext uri="{386F3935-93C4-4BCD-93E2-E3B085C9AB24}">
+                <p16:designElem xmlns:p16="http://schemas.microsoft.com/office/powerpoint/2015/main" val="1"/>
+              </p:ext>
+            </p:extLst>
+          </p:nvPr>
+        </p:nvSpPr>
+        <p:spPr>
+          <a:xfrm>
+            <a:off x="0" y="0"/>
+            <a:ext cx="12192000" cy="6858000"/>
+          </a:xfrm>
+          <a:prstGeom prst="rect">
+            <a:avLst/>
+          </a:prstGeom>
+          <a:ln>
+            <a:noFill/>
+          </a:ln>
+        </p:spPr>
+        <p:style>
+          <a:lnRef idx="2">
+            <a:schemeClr val="accent1">
+              <a:shade val="50000"/>
+            </a:schemeClr>
+          </a:lnRef>
+          <a:fillRef idx="1">
+            <a:schemeClr val="accent1"/>
+          </a:fillRef>
+          <a:effectRef idx="0">
+            <a:schemeClr val="accent1"/>
+          </a:effectRef>
+          <a:fontRef idx="minor">
+            <a:schemeClr val="lt1"/>
+          </a:fontRef>
+        </p:style>
+        <p:txBody>
+          <a:bodyPr rtlCol="0" anchor="ctr"/>
+          <a:lstStyle/>
+          <a:p>
+            <a:pPr algn="ctr"/>
+            <a:endParaRPr lang="en-US"/>
+          </a:p>
+        </p:txBody>
+      </p:sp>
       <p:sp>
         <p:nvSpPr>
           <p:cNvPr id="2" name="Title 1">
             <a:extLst>
               <a:ext uri="{FF2B5EF4-FFF2-40B4-BE49-F238E27FC236}">
-                <a16:creationId xmlns:a16="http://schemas.microsoft.com/office/drawing/2014/main" id="{7BE6EAB2-457C-4D2F-AB58-9D50B371AD36}"/>
+                <a16:creationId xmlns:a16="http://schemas.microsoft.com/office/drawing/2014/main" id="{30A67338-C088-4AEB-B37A-4E5E5F77E25B}"/>
               </a:ext>
             </a:extLst>
           </p:cNvPr>
@@ -10763,8 +11451,8 @@
         </p:nvSpPr>
         <p:spPr>
           <a:xfrm>
-            <a:off x="685801" y="609600"/>
-            <a:ext cx="10131425" cy="1456267"/>
+            <a:off x="685799" y="1150076"/>
+            <a:ext cx="3659389" cy="4557849"/>
           </a:xfrm>
         </p:spPr>
         <p:txBody>
@@ -10773,48 +11461,114 @@
           </a:bodyPr>
           <a:lstStyle/>
           <a:p>
+            <a:pPr algn="r"/>
             <a:r>
               <a:rPr lang="en-US" dirty="0"/>
-              <a:t>Evaluation of Cryptosystems</a:t>
-            </a:r>
-          </a:p>
-        </p:txBody>
-      </p:sp>
-      <p:graphicFrame>
-        <p:nvGraphicFramePr>
-          <p:cNvPr id="5" name="Content Placeholder 2">
+              <a:t>Why Prime number inputs</a:t>
+            </a:r>
+            <a:endParaRPr lang="en-US"/>
+          </a:p>
+        </p:txBody>
+      </p:sp>
+      <p:cxnSp>
+        <p:nvCxnSpPr>
+          <p:cNvPr id="10" name="Straight Connector 9">
             <a:extLst>
               <a:ext uri="{FF2B5EF4-FFF2-40B4-BE49-F238E27FC236}">
-                <a16:creationId xmlns:a16="http://schemas.microsoft.com/office/drawing/2014/main" id="{A4C787D5-0A08-4867-AD5D-48F367E27B0B}"/>
+                <a16:creationId xmlns:a16="http://schemas.microsoft.com/office/drawing/2014/main" id="{30EFD79F-7790-479B-B7DB-BD0D8C101DDD}"/>
+              </a:ext>
+              <a:ext uri="{C183D7F6-B498-43B3-948B-1728B52AA6E4}">
+                <adec:decorative xmlns:adec="http://schemas.microsoft.com/office/drawing/2017/decorative" val="1"/>
               </a:ext>
             </a:extLst>
           </p:cNvPr>
-          <p:cNvGraphicFramePr>
-            <a:graphicFrameLocks noGrp="1"/>
-          </p:cNvGraphicFramePr>
-          <p:nvPr>
-            <p:ph idx="1"/>
+          <p:cNvCxnSpPr>
+            <a:cxnSpLocks noGrp="1" noRot="1" noChangeAspect="1" noMove="1" noResize="1" noEditPoints="1" noAdjustHandles="1" noChangeArrowheads="1" noChangeShapeType="1"/>
+          </p:cNvCxnSpPr>
+          <p:nvPr>
             <p:extLst>
-              <p:ext uri="{D42A27DB-BD31-4B8C-83A1-F6EECF244321}">
-                <p14:modId xmlns:p14="http://schemas.microsoft.com/office/powerpoint/2010/main" val="786398473"/>
+              <p:ext uri="{386F3935-93C4-4BCD-93E2-E3B085C9AB24}">
+                <p16:designElem xmlns:p16="http://schemas.microsoft.com/office/powerpoint/2015/main" val="1"/>
               </p:ext>
             </p:extLst>
           </p:nvPr>
-        </p:nvGraphicFramePr>
-        <p:xfrm>
-          <a:off x="685800" y="2406400"/>
-          <a:ext cx="10131425" cy="3384799"/>
-        </p:xfrm>
-        <a:graphic>
-          <a:graphicData uri="http://schemas.openxmlformats.org/drawingml/2006/diagram">
-            <dgm:relIds xmlns:dgm="http://schemas.openxmlformats.org/drawingml/2006/diagram" xmlns:r="http://schemas.openxmlformats.org/officeDocument/2006/relationships" r:dm="rId3" r:lo="rId4" r:qs="rId5" r:cs="rId6"/>
-          </a:graphicData>
-        </a:graphic>
-      </p:graphicFrame>
+        </p:nvCxnSpPr>
+        <p:spPr>
+          <a:xfrm>
+            <a:off x="4666923" y="1668780"/>
+            <a:ext cx="0" cy="3520440"/>
+          </a:xfrm>
+          <a:prstGeom prst="line">
+            <a:avLst/>
+          </a:prstGeom>
+          <a:ln w="19050"/>
+        </p:spPr>
+        <p:style>
+          <a:lnRef idx="1">
+            <a:schemeClr val="accent1"/>
+          </a:lnRef>
+          <a:fillRef idx="0">
+            <a:schemeClr val="accent1"/>
+          </a:fillRef>
+          <a:effectRef idx="0">
+            <a:schemeClr val="accent1"/>
+          </a:effectRef>
+          <a:fontRef idx="minor">
+            <a:schemeClr val="tx1"/>
+          </a:fontRef>
+        </p:style>
+      </p:cxnSp>
+      <p:sp>
+        <p:nvSpPr>
+          <p:cNvPr id="3" name="Content Placeholder 2">
+            <a:extLst>
+              <a:ext uri="{FF2B5EF4-FFF2-40B4-BE49-F238E27FC236}">
+                <a16:creationId xmlns:a16="http://schemas.microsoft.com/office/drawing/2014/main" id="{12E55623-E9B8-4790-9389-22575E5CCD13}"/>
+              </a:ext>
+            </a:extLst>
+          </p:cNvPr>
+          <p:cNvSpPr>
+            <a:spLocks noGrp="1"/>
+          </p:cNvSpPr>
+          <p:nvPr>
+            <p:ph idx="1"/>
+          </p:nvPr>
+        </p:nvSpPr>
+        <p:spPr>
+          <a:xfrm>
+            <a:off x="4988658" y="1150076"/>
+            <a:ext cx="6517543" cy="4557849"/>
+          </a:xfrm>
+        </p:spPr>
+        <p:txBody>
+          <a:bodyPr>
+            <a:normAutofit/>
+          </a:bodyPr>
+          <a:lstStyle/>
+          <a:p>
+            <a:r>
+              <a:rPr lang="en-US"/>
+              <a:t>Mod value n is composed of p and q</a:t>
+            </a:r>
+          </a:p>
+          <a:p>
+            <a:r>
+              <a:rPr lang="en-US"/>
+              <a:t>Integer factorization is very slow</a:t>
+            </a:r>
+          </a:p>
+          <a:p>
+            <a:r>
+              <a:rPr lang="en-US"/>
+              <a:t>For sufficiently large p and q, the time required is exponentially large</a:t>
+            </a:r>
+          </a:p>
+        </p:txBody>
+      </p:sp>
     </p:spTree>
     <p:extLst>
       <p:ext uri="{BB962C8B-B14F-4D97-AF65-F5344CB8AC3E}">
-        <p14:creationId xmlns:p14="http://schemas.microsoft.com/office/powerpoint/2010/main" val="2816452491"/>
+        <p14:creationId xmlns:p14="http://schemas.microsoft.com/office/powerpoint/2010/main" val="3518047889"/>
       </p:ext>
     </p:extLst>
   </p:cSld>
@@ -11301,7 +12055,7 @@
           <a:lstStyle/>
           <a:p>
             <a:r>
-              <a:rPr lang="en-US" dirty="0"/>
+              <a:rPr lang="en-US" sz="2400" dirty="0"/>
               <a:t>We can use Euclid’s extended algorithm to look for relative primes</a:t>
             </a:r>
           </a:p>
@@ -11645,7 +12399,16 @@
           </a:bodyPr>
           <a:lstStyle/>
           <a:p>
-            <a:endParaRPr lang="en-US"/>
+            <a:r>
+              <a:rPr lang="en-US" sz="2400" dirty="0"/>
+              <a:t>Top: the actual encryption step</a:t>
+            </a:r>
+          </a:p>
+          <a:p>
+            <a:r>
+              <a:rPr lang="en-US" sz="2400" dirty="0"/>
+              <a:t>Bottom: encoding each character in a body of text and encrypting it</a:t>
+            </a:r>
           </a:p>
         </p:txBody>
       </p:sp>
@@ -12025,4 +12788,299 @@
     </a:ext>
   </a:extLst>
 </a:theme>
+</file>
+
+<file path=ppt/theme/theme2.xml><?xml version="1.0" encoding="utf-8"?>
+<a:theme xmlns:a="http://schemas.openxmlformats.org/drawingml/2006/main" name="Office Theme">
+  <a:themeElements>
+    <a:clrScheme name="Office">
+      <a:dk1>
+        <a:sysClr val="windowText" lastClr="000000"/>
+      </a:dk1>
+      <a:lt1>
+        <a:sysClr val="window" lastClr="FFFFFF"/>
+      </a:lt1>
+      <a:dk2>
+        <a:srgbClr val="44546A"/>
+      </a:dk2>
+      <a:lt2>
+        <a:srgbClr val="E7E6E6"/>
+      </a:lt2>
+      <a:accent1>
+        <a:srgbClr val="4472C4"/>
+      </a:accent1>
+      <a:accent2>
+        <a:srgbClr val="ED7D31"/>
+      </a:accent2>
+      <a:accent3>
+        <a:srgbClr val="A5A5A5"/>
+      </a:accent3>
+      <a:accent4>
+        <a:srgbClr val="FFC000"/>
+      </a:accent4>
+      <a:accent5>
+        <a:srgbClr val="5B9BD5"/>
+      </a:accent5>
+      <a:accent6>
+        <a:srgbClr val="70AD47"/>
+      </a:accent6>
+      <a:hlink>
+        <a:srgbClr val="0563C1"/>
+      </a:hlink>
+      <a:folHlink>
+        <a:srgbClr val="954F72"/>
+      </a:folHlink>
+    </a:clrScheme>
+    <a:fontScheme name="Office">
+      <a:majorFont>
+        <a:latin typeface="Calibri Light" panose="020F0302020204030204"/>
+        <a:ea typeface=""/>
+        <a:cs typeface=""/>
+        <a:font script="Jpan" typeface="游ゴシック Light"/>
+        <a:font script="Hang" typeface="맑은 고딕"/>
+        <a:font script="Hans" typeface="等线 Light"/>
+        <a:font script="Hant" typeface="新細明體"/>
+        <a:font script="Arab" typeface="Times New Roman"/>
+        <a:font script="Hebr" typeface="Times New Roman"/>
+        <a:font script="Thai" typeface="Angsana New"/>
+        <a:font script="Ethi" typeface="Nyala"/>
+        <a:font script="Beng" typeface="Vrinda"/>
+        <a:font script="Gujr" typeface="Shruti"/>
+        <a:font script="Khmr" typeface="MoolBoran"/>
+        <a:font script="Knda" typeface="Tunga"/>
+        <a:font script="Guru" typeface="Raavi"/>
+        <a:font script="Cans" typeface="Euphemia"/>
+        <a:font script="Cher" typeface="Plantagenet Cherokee"/>
+        <a:font script="Yiii" typeface="Microsoft Yi Baiti"/>
+        <a:font script="Tibt" typeface="Microsoft Himalaya"/>
+        <a:font script="Thaa" typeface="MV Boli"/>
+        <a:font script="Deva" typeface="Mangal"/>
+        <a:font script="Telu" typeface="Gautami"/>
+        <a:font script="Taml" typeface="Latha"/>
+        <a:font script="Syrc" typeface="Estrangelo Edessa"/>
+        <a:font script="Orya" typeface="Kalinga"/>
+        <a:font script="Mlym" typeface="Kartika"/>
+        <a:font script="Laoo" typeface="DokChampa"/>
+        <a:font script="Sinh" typeface="Iskoola Pota"/>
+        <a:font script="Mong" typeface="Mongolian Baiti"/>
+        <a:font script="Viet" typeface="Times New Roman"/>
+        <a:font script="Uigh" typeface="Microsoft Uighur"/>
+        <a:font script="Geor" typeface="Sylfaen"/>
+        <a:font script="Armn" typeface="Arial"/>
+        <a:font script="Bugi" typeface="Leelawadee UI"/>
+        <a:font script="Bopo" typeface="Microsoft JhengHei"/>
+        <a:font script="Java" typeface="Javanese Text"/>
+        <a:font script="Lisu" typeface="Segoe UI"/>
+        <a:font script="Mymr" typeface="Myanmar Text"/>
+        <a:font script="Nkoo" typeface="Ebrima"/>
+        <a:font script="Olck" typeface="Nirmala UI"/>
+        <a:font script="Osma" typeface="Ebrima"/>
+        <a:font script="Phag" typeface="Phagspa"/>
+        <a:font script="Syrn" typeface="Estrangelo Edessa"/>
+        <a:font script="Syrj" typeface="Estrangelo Edessa"/>
+        <a:font script="Syre" typeface="Estrangelo Edessa"/>
+        <a:font script="Sora" typeface="Nirmala UI"/>
+        <a:font script="Tale" typeface="Microsoft Tai Le"/>
+        <a:font script="Talu" typeface="Microsoft New Tai Lue"/>
+        <a:font script="Tfng" typeface="Ebrima"/>
+      </a:majorFont>
+      <a:minorFont>
+        <a:latin typeface="Calibri" panose="020F0502020204030204"/>
+        <a:ea typeface=""/>
+        <a:cs typeface=""/>
+        <a:font script="Jpan" typeface="游ゴシック"/>
+        <a:font script="Hang" typeface="맑은 고딕"/>
+        <a:font script="Hans" typeface="等线"/>
+        <a:font script="Hant" typeface="新細明體"/>
+        <a:font script="Arab" typeface="Arial"/>
+        <a:font script="Hebr" typeface="Arial"/>
+        <a:font script="Thai" typeface="Cordia New"/>
+        <a:font script="Ethi" typeface="Nyala"/>
+        <a:font script="Beng" typeface="Vrinda"/>
+        <a:font script="Gujr" typeface="Shruti"/>
+        <a:font script="Khmr" typeface="DaunPenh"/>
+        <a:font script="Knda" typeface="Tunga"/>
+        <a:font script="Guru" typeface="Raavi"/>
+        <a:font script="Cans" typeface="Euphemia"/>
+        <a:font script="Cher" typeface="Plantagenet Cherokee"/>
+        <a:font script="Yiii" typeface="Microsoft Yi Baiti"/>
+        <a:font script="Tibt" typeface="Microsoft Himalaya"/>
+        <a:font script="Thaa" typeface="MV Boli"/>
+        <a:font script="Deva" typeface="Mangal"/>
+        <a:font script="Telu" typeface="Gautami"/>
+        <a:font script="Taml" typeface="Latha"/>
+        <a:font script="Syrc" typeface="Estrangelo Edessa"/>
+        <a:font script="Orya" typeface="Kalinga"/>
+        <a:font script="Mlym" typeface="Kartika"/>
+        <a:font script="Laoo" typeface="DokChampa"/>
+        <a:font script="Sinh" typeface="Iskoola Pota"/>
+        <a:font script="Mong" typeface="Mongolian Baiti"/>
+        <a:font script="Viet" typeface="Arial"/>
+        <a:font script="Uigh" typeface="Microsoft Uighur"/>
+        <a:font script="Geor" typeface="Sylfaen"/>
+        <a:font script="Armn" typeface="Arial"/>
+        <a:font script="Bugi" typeface="Leelawadee UI"/>
+        <a:font script="Bopo" typeface="Microsoft JhengHei"/>
+        <a:font script="Java" typeface="Javanese Text"/>
+        <a:font script="Lisu" typeface="Segoe UI"/>
+        <a:font script="Mymr" typeface="Myanmar Text"/>
+        <a:font script="Nkoo" typeface="Ebrima"/>
+        <a:font script="Olck" typeface="Nirmala UI"/>
+        <a:font script="Osma" typeface="Ebrima"/>
+        <a:font script="Phag" typeface="Phagspa"/>
+        <a:font script="Syrn" typeface="Estrangelo Edessa"/>
+        <a:font script="Syrj" typeface="Estrangelo Edessa"/>
+        <a:font script="Syre" typeface="Estrangelo Edessa"/>
+        <a:font script="Sora" typeface="Nirmala UI"/>
+        <a:font script="Tale" typeface="Microsoft Tai Le"/>
+        <a:font script="Talu" typeface="Microsoft New Tai Lue"/>
+        <a:font script="Tfng" typeface="Ebrima"/>
+      </a:minorFont>
+    </a:fontScheme>
+    <a:fmtScheme name="Office">
+      <a:fillStyleLst>
+        <a:solidFill>
+          <a:schemeClr val="phClr"/>
+        </a:solidFill>
+        <a:gradFill rotWithShape="1">
+          <a:gsLst>
+            <a:gs pos="0">
+              <a:schemeClr val="phClr">
+                <a:lumMod val="110000"/>
+                <a:satMod val="105000"/>
+                <a:tint val="67000"/>
+              </a:schemeClr>
+            </a:gs>
+            <a:gs pos="50000">
+              <a:schemeClr val="phClr">
+                <a:lumMod val="105000"/>
+                <a:satMod val="103000"/>
+                <a:tint val="73000"/>
+              </a:schemeClr>
+            </a:gs>
+            <a:gs pos="100000">
+              <a:schemeClr val="phClr">
+                <a:lumMod val="105000"/>
+                <a:satMod val="109000"/>
+                <a:tint val="81000"/>
+              </a:schemeClr>
+            </a:gs>
+          </a:gsLst>
+          <a:lin ang="5400000" scaled="0"/>
+        </a:gradFill>
+        <a:gradFill rotWithShape="1">
+          <a:gsLst>
+            <a:gs pos="0">
+              <a:schemeClr val="phClr">
+                <a:satMod val="103000"/>
+                <a:lumMod val="102000"/>
+                <a:tint val="94000"/>
+              </a:schemeClr>
+            </a:gs>
+            <a:gs pos="50000">
+              <a:schemeClr val="phClr">
+                <a:satMod val="110000"/>
+                <a:lumMod val="100000"/>
+                <a:shade val="100000"/>
+              </a:schemeClr>
+            </a:gs>
+            <a:gs pos="100000">
+              <a:schemeClr val="phClr">
+                <a:lumMod val="99000"/>
+                <a:satMod val="120000"/>
+                <a:shade val="78000"/>
+              </a:schemeClr>
+            </a:gs>
+          </a:gsLst>
+          <a:lin ang="5400000" scaled="0"/>
+        </a:gradFill>
+      </a:fillStyleLst>
+      <a:lnStyleLst>
+        <a:ln w="6350" cap="flat" cmpd="sng" algn="ctr">
+          <a:solidFill>
+            <a:schemeClr val="phClr"/>
+          </a:solidFill>
+          <a:prstDash val="solid"/>
+          <a:miter lim="800000"/>
+        </a:ln>
+        <a:ln w="12700" cap="flat" cmpd="sng" algn="ctr">
+          <a:solidFill>
+            <a:schemeClr val="phClr"/>
+          </a:solidFill>
+          <a:prstDash val="solid"/>
+          <a:miter lim="800000"/>
+        </a:ln>
+        <a:ln w="19050" cap="flat" cmpd="sng" algn="ctr">
+          <a:solidFill>
+            <a:schemeClr val="phClr"/>
+          </a:solidFill>
+          <a:prstDash val="solid"/>
+          <a:miter lim="800000"/>
+        </a:ln>
+      </a:lnStyleLst>
+      <a:effectStyleLst>
+        <a:effectStyle>
+          <a:effectLst/>
+        </a:effectStyle>
+        <a:effectStyle>
+          <a:effectLst/>
+        </a:effectStyle>
+        <a:effectStyle>
+          <a:effectLst>
+            <a:outerShdw blurRad="57150" dist="19050" dir="5400000" algn="ctr" rotWithShape="0">
+              <a:srgbClr val="000000">
+                <a:alpha val="63000"/>
+              </a:srgbClr>
+            </a:outerShdw>
+          </a:effectLst>
+        </a:effectStyle>
+      </a:effectStyleLst>
+      <a:bgFillStyleLst>
+        <a:solidFill>
+          <a:schemeClr val="phClr"/>
+        </a:solidFill>
+        <a:solidFill>
+          <a:schemeClr val="phClr">
+            <a:tint val="95000"/>
+            <a:satMod val="170000"/>
+          </a:schemeClr>
+        </a:solidFill>
+        <a:gradFill rotWithShape="1">
+          <a:gsLst>
+            <a:gs pos="0">
+              <a:schemeClr val="phClr">
+                <a:tint val="93000"/>
+                <a:satMod val="150000"/>
+                <a:shade val="98000"/>
+                <a:lumMod val="102000"/>
+              </a:schemeClr>
+            </a:gs>
+            <a:gs pos="50000">
+              <a:schemeClr val="phClr">
+                <a:tint val="98000"/>
+                <a:satMod val="130000"/>
+                <a:shade val="90000"/>
+                <a:lumMod val="103000"/>
+              </a:schemeClr>
+            </a:gs>
+            <a:gs pos="100000">
+              <a:schemeClr val="phClr">
+                <a:shade val="63000"/>
+                <a:satMod val="120000"/>
+              </a:schemeClr>
+            </a:gs>
+          </a:gsLst>
+          <a:lin ang="5400000" scaled="0"/>
+        </a:gradFill>
+      </a:bgFillStyleLst>
+    </a:fmtScheme>
+  </a:themeElements>
+  <a:objectDefaults/>
+  <a:extraClrSchemeLst/>
+  <a:extLst>
+    <a:ext uri="{05A4C25C-085E-4340-85A3-A5531E510DB2}">
+      <thm15:themeFamily xmlns:thm15="http://schemas.microsoft.com/office/thememl/2012/main" name="Office Theme" id="{62F939B6-93AF-4DB8-9C6B-D6C7DFDC589F}" vid="{4A3C46E8-61CC-4603-A589-7422A47A8E4A}"/>
+    </a:ext>
+  </a:extLst>
+</a:theme>
 </file>